--- a/firefox/Firefox-ScreenSharing.pptx
+++ b/firefox/Firefox-ScreenSharing.pptx
@@ -5,16 +5,19 @@
     <p:sldMasterId id="2147483897" r:id="rId1"/>
   </p:sldMasterIdLst>
   <p:notesMasterIdLst>
-    <p:notesMasterId r:id="rId9"/>
+    <p:notesMasterId r:id="rId12"/>
   </p:notesMasterIdLst>
   <p:sldIdLst>
     <p:sldId id="315" r:id="rId2"/>
     <p:sldId id="328" r:id="rId3"/>
     <p:sldId id="322" r:id="rId4"/>
-    <p:sldId id="327" r:id="rId5"/>
-    <p:sldId id="329" r:id="rId6"/>
-    <p:sldId id="330" r:id="rId7"/>
-    <p:sldId id="331" r:id="rId8"/>
+    <p:sldId id="336" r:id="rId5"/>
+    <p:sldId id="334" r:id="rId6"/>
+    <p:sldId id="335" r:id="rId7"/>
+    <p:sldId id="327" r:id="rId8"/>
+    <p:sldId id="329" r:id="rId9"/>
+    <p:sldId id="330" r:id="rId10"/>
+    <p:sldId id="331" r:id="rId11"/>
   </p:sldIdLst>
   <p:sldSz cx="9144000" cy="6858000" type="screen4x3"/>
   <p:notesSz cx="6858000" cy="9296400"/>
@@ -198,7 +201,7 @@
           <a:p>
             <a:fld id="{CF10869E-1B1D-4D5A-9BEA-80961EC524BD}" type="datetimeFigureOut">
               <a:rPr lang="zh-CN" altLang="en-US" smtClean="0"/>
-              <a:t>2014-04-08</a:t>
+              <a:t>6/28/14</a:t>
             </a:fld>
             <a:endParaRPr lang="zh-CN" altLang="en-US"/>
           </a:p>
@@ -1186,6 +1189,98 @@
 </p:notes>
 </file>
 
+<file path=ppt/notesSlides/notesSlide3.xml><?xml version="1.0" encoding="utf-8"?>
+<p:notes xmlns:a="http://schemas.openxmlformats.org/drawingml/2006/main" xmlns:r="http://schemas.openxmlformats.org/officeDocument/2006/relationships" xmlns:p="http://schemas.openxmlformats.org/presentationml/2006/main">
+  <p:cSld>
+    <p:spTree>
+      <p:nvGrpSpPr>
+        <p:cNvPr id="1" name=""/>
+        <p:cNvGrpSpPr/>
+        <p:nvPr/>
+      </p:nvGrpSpPr>
+      <p:grpSpPr>
+        <a:xfrm>
+          <a:off x="0" y="0"/>
+          <a:ext cx="0" cy="0"/>
+          <a:chOff x="0" y="0"/>
+          <a:chExt cx="0" cy="0"/>
+        </a:xfrm>
+      </p:grpSpPr>
+      <p:sp>
+        <p:nvSpPr>
+          <p:cNvPr id="2" name="Slide Image Placeholder 1"/>
+          <p:cNvSpPr>
+            <a:spLocks noGrp="1" noRot="1" noChangeAspect="1"/>
+          </p:cNvSpPr>
+          <p:nvPr>
+            <p:ph type="sldImg"/>
+          </p:nvPr>
+        </p:nvSpPr>
+        <p:spPr/>
+      </p:sp>
+      <p:sp>
+        <p:nvSpPr>
+          <p:cNvPr id="3" name="Notes Placeholder 2"/>
+          <p:cNvSpPr>
+            <a:spLocks noGrp="1"/>
+          </p:cNvSpPr>
+          <p:nvPr>
+            <p:ph type="body" idx="1"/>
+          </p:nvPr>
+        </p:nvSpPr>
+        <p:spPr/>
+        <p:txBody>
+          <a:bodyPr/>
+          <a:lstStyle/>
+          <a:p>
+            <a:endParaRPr lang="en-US" altLang="zh-CN" sz="1200" b="0" i="0" kern="1200" dirty="0" smtClean="0">
+              <a:solidFill>
+                <a:schemeClr val="tx1"/>
+              </a:solidFill>
+              <a:effectLst/>
+              <a:latin typeface="+mn-lt"/>
+              <a:ea typeface="+mn-ea"/>
+              <a:cs typeface="+mn-cs"/>
+            </a:endParaRPr>
+          </a:p>
+        </p:txBody>
+      </p:sp>
+      <p:sp>
+        <p:nvSpPr>
+          <p:cNvPr id="4" name="Slide Number Placeholder 3"/>
+          <p:cNvSpPr>
+            <a:spLocks noGrp="1"/>
+          </p:cNvSpPr>
+          <p:nvPr>
+            <p:ph type="sldNum" sz="quarter" idx="10"/>
+          </p:nvPr>
+        </p:nvSpPr>
+        <p:spPr/>
+        <p:txBody>
+          <a:bodyPr/>
+          <a:lstStyle/>
+          <a:p>
+            <a:fld id="{665B796D-36ED-44FC-AC15-284FDC531FDE}" type="slidenum">
+              <a:rPr lang="zh-CN" altLang="en-US" smtClean="0"/>
+              <a:t>5</a:t>
+            </a:fld>
+            <a:endParaRPr lang="zh-CN" altLang="en-US"/>
+          </a:p>
+        </p:txBody>
+      </p:sp>
+    </p:spTree>
+    <p:extLst>
+      <p:ext uri="{BB962C8B-B14F-4D97-AF65-F5344CB8AC3E}">
+        <p14:creationId xmlns:p14="http://schemas.microsoft.com/office/powerpoint/2010/main" val="1322586840"/>
+      </p:ext>
+    </p:extLst>
+  </p:cSld>
+  <p:clrMapOvr>
+    <a:masterClrMapping/>
+  </p:clrMapOvr>
+</p:notes>
+</file>
+
 <file path=ppt/slideLayouts/slideLayout1.xml><?xml version="1.0" encoding="utf-8"?>
 <p:sldLayout xmlns:a="http://schemas.openxmlformats.org/drawingml/2006/main" xmlns:r="http://schemas.openxmlformats.org/officeDocument/2006/relationships" xmlns:p="http://schemas.openxmlformats.org/presentationml/2006/main" preserve="1" userDrawn="1">
   <p:cSld name="4_Title Slide Gradient">
@@ -1454,13 +1549,13 @@
   <p:clrMapOvr>
     <a:masterClrMapping/>
   </p:clrMapOvr>
-  <p:transition>
+  <p:transition xmlns:p14="http://schemas.microsoft.com/office/powerpoint/2010/main">
     <p:wipe dir="r"/>
   </p:transition>
   <p:timing>
     <p:tnLst>
       <p:par>
-        <p:cTn id="1" dur="indefinite" restart="never" nodeType="tmRoot"/>
+        <p:cTn xmlns:p14="http://schemas.microsoft.com/office/powerpoint/2010/main" id="1" dur="indefinite" restart="never" nodeType="tmRoot"/>
       </p:par>
     </p:tnLst>
   </p:timing>
@@ -1746,13 +1841,13 @@
   <p:clrMapOvr>
     <a:masterClrMapping/>
   </p:clrMapOvr>
-  <p:transition>
+  <p:transition xmlns:p14="http://schemas.microsoft.com/office/powerpoint/2010/main">
     <p:wipe dir="r"/>
   </p:transition>
   <p:timing>
     <p:tnLst>
       <p:par>
-        <p:cTn id="1" dur="indefinite" restart="never" nodeType="tmRoot"/>
+        <p:cTn xmlns:p14="http://schemas.microsoft.com/office/powerpoint/2010/main" id="1" dur="indefinite" restart="never" nodeType="tmRoot"/>
       </p:par>
     </p:tnLst>
   </p:timing>
@@ -1821,13 +1916,13 @@
   <p:clrMapOvr>
     <a:masterClrMapping/>
   </p:clrMapOvr>
-  <p:transition>
+  <p:transition xmlns:p14="http://schemas.microsoft.com/office/powerpoint/2010/main">
     <p:wipe dir="r"/>
   </p:transition>
   <p:timing>
     <p:tnLst>
       <p:par>
-        <p:cTn id="1" dur="indefinite" restart="never" nodeType="tmRoot">
+        <p:cTn xmlns:p14="http://schemas.microsoft.com/office/powerpoint/2010/main" id="1" dur="indefinite" restart="never" nodeType="tmRoot">
           <p:childTnLst>
             <p:seq concurrent="1" nextAc="seek">
               <p:cTn id="2" dur="indefinite" nodeType="mainSeq">
@@ -2106,13 +2201,13 @@
     <p:sldLayoutId id="2147483901" r:id="rId2"/>
     <p:sldLayoutId id="2147483925" r:id="rId3"/>
   </p:sldLayoutIdLst>
-  <p:transition>
+  <p:transition xmlns:p14="http://schemas.microsoft.com/office/powerpoint/2010/main">
     <p:wipe dir="r"/>
   </p:transition>
   <p:timing>
     <p:tnLst>
       <p:par>
-        <p:cTn id="1" dur="indefinite" restart="never" nodeType="tmRoot"/>
+        <p:cTn xmlns:p14="http://schemas.microsoft.com/office/powerpoint/2010/main" id="1" dur="indefinite" restart="never" nodeType="tmRoot"/>
       </p:par>
     </p:tnLst>
   </p:timing>
@@ -2531,7 +2626,11 @@
           <a:p>
             <a:r>
               <a:rPr lang="en-US" altLang="zh-CN" dirty="0" smtClean="0"/>
-              <a:t>2014/4/7</a:t>
+              <a:t>2014/</a:t>
+            </a:r>
+            <a:r>
+              <a:rPr lang="en-US" altLang="zh-CN" dirty="0" smtClean="0"/>
+              <a:t>4</a:t>
             </a:r>
             <a:endParaRPr lang="zh-CN" altLang="en-US" dirty="0"/>
           </a:p>
@@ -2547,16 +2646,95 @@
   <p:clrMapOvr>
     <a:masterClrMapping/>
   </p:clrMapOvr>
-  <p:transition>
+  <p:transition xmlns:p14="http://schemas.microsoft.com/office/powerpoint/2010/main">
     <p:wipe dir="r"/>
   </p:transition>
   <p:timing>
     <p:tnLst>
       <p:par>
-        <p:cTn id="1" dur="indefinite" restart="never" nodeType="tmRoot"/>
+        <p:cTn xmlns:p14="http://schemas.microsoft.com/office/powerpoint/2010/main" id="1" dur="indefinite" restart="never" nodeType="tmRoot"/>
       </p:par>
     </p:tnLst>
   </p:timing>
+</p:sld>
+</file>
+
+<file path=ppt/slides/slide10.xml><?xml version="1.0" encoding="utf-8"?>
+<p:sld xmlns:a="http://schemas.openxmlformats.org/drawingml/2006/main" xmlns:r="http://schemas.openxmlformats.org/officeDocument/2006/relationships" xmlns:p="http://schemas.openxmlformats.org/presentationml/2006/main">
+  <p:cSld>
+    <p:spTree>
+      <p:nvGrpSpPr>
+        <p:cNvPr id="1" name=""/>
+        <p:cNvGrpSpPr/>
+        <p:nvPr/>
+      </p:nvGrpSpPr>
+      <p:grpSpPr>
+        <a:xfrm>
+          <a:off x="0" y="0"/>
+          <a:ext cx="0" cy="0"/>
+          <a:chOff x="0" y="0"/>
+          <a:chExt cx="0" cy="0"/>
+        </a:xfrm>
+      </p:grpSpPr>
+      <p:sp>
+        <p:nvSpPr>
+          <p:cNvPr id="2" name="Text Placeholder 1"/>
+          <p:cNvSpPr>
+            <a:spLocks noGrp="1"/>
+          </p:cNvSpPr>
+          <p:nvPr>
+            <p:ph type="body" sz="quarter" idx="10"/>
+          </p:nvPr>
+        </p:nvSpPr>
+        <p:spPr/>
+        <p:txBody>
+          <a:bodyPr/>
+          <a:lstStyle/>
+          <a:p>
+            <a:endParaRPr lang="zh-CN" altLang="en-US"/>
+          </a:p>
+        </p:txBody>
+      </p:sp>
+      <p:sp>
+        <p:nvSpPr>
+          <p:cNvPr id="3" name="Title 2"/>
+          <p:cNvSpPr>
+            <a:spLocks noGrp="1"/>
+          </p:cNvSpPr>
+          <p:nvPr>
+            <p:ph type="title"/>
+          </p:nvPr>
+        </p:nvSpPr>
+        <p:spPr/>
+        <p:txBody>
+          <a:bodyPr/>
+          <a:lstStyle/>
+          <a:p>
+            <a:r>
+              <a:rPr lang="en-US" altLang="zh-CN" dirty="0"/>
+              <a:t>WebRTC </a:t>
+            </a:r>
+            <a:r>
+              <a:rPr lang="en-US" altLang="zh-CN" dirty="0" smtClean="0"/>
+              <a:t>Desktop Capture</a:t>
+            </a:r>
+            <a:endParaRPr lang="zh-CN" altLang="en-US" dirty="0"/>
+          </a:p>
+        </p:txBody>
+      </p:sp>
+    </p:spTree>
+    <p:extLst>
+      <p:ext uri="{BB962C8B-B14F-4D97-AF65-F5344CB8AC3E}">
+        <p14:creationId xmlns:p14="http://schemas.microsoft.com/office/powerpoint/2010/main" val="3562543083"/>
+      </p:ext>
+    </p:extLst>
+  </p:cSld>
+  <p:clrMapOvr>
+    <a:masterClrMapping/>
+  </p:clrMapOvr>
+  <p:transition xmlns:p14="http://schemas.microsoft.com/office/powerpoint/2010/main">
+    <p:wipe dir="r"/>
+  </p:transition>
 </p:sld>
 </file>
 
@@ -4364,7 +4542,7 @@
   <p:clrMapOvr>
     <a:masterClrMapping/>
   </p:clrMapOvr>
-  <p:transition>
+  <p:transition xmlns:p14="http://schemas.microsoft.com/office/powerpoint/2010/main">
     <p:wipe dir="r"/>
   </p:transition>
 </p:sld>
@@ -8198,61 +8376,6 @@
       </p:sp>
       <p:sp>
         <p:nvSpPr>
-          <p:cNvPr id="102" name="Rectangle 101"/>
-          <p:cNvSpPr/>
-          <p:nvPr/>
-        </p:nvSpPr>
-        <p:spPr>
-          <a:xfrm>
-            <a:off x="344596" y="5064282"/>
-            <a:ext cx="3818613" cy="1663740"/>
-          </a:xfrm>
-          <a:prstGeom prst="rect">
-            <a:avLst/>
-          </a:prstGeom>
-          <a:solidFill>
-            <a:srgbClr val="0096D6">
-              <a:alpha val="33000"/>
-            </a:srgbClr>
-          </a:solidFill>
-          <a:ln>
-            <a:noFill/>
-          </a:ln>
-          <a:effectLst>
-            <a:outerShdw blurRad="76200" dist="50800" dir="5400000" algn="ctr" rotWithShape="0">
-              <a:srgbClr val="000000">
-                <a:alpha val="27000"/>
-              </a:srgbClr>
-            </a:outerShdw>
-          </a:effectLst>
-        </p:spPr>
-        <p:style>
-          <a:lnRef idx="2">
-            <a:schemeClr val="accent1">
-              <a:shade val="50000"/>
-            </a:schemeClr>
-          </a:lnRef>
-          <a:fillRef idx="1">
-            <a:schemeClr val="accent1"/>
-          </a:fillRef>
-          <a:effectRef idx="0">
-            <a:schemeClr val="accent1"/>
-          </a:effectRef>
-          <a:fontRef idx="minor">
-            <a:schemeClr val="lt1"/>
-          </a:fontRef>
-        </p:style>
-        <p:txBody>
-          <a:bodyPr rtlCol="0" anchor="ctr"/>
-          <a:lstStyle/>
-          <a:p>
-            <a:pPr algn="ctr"/>
-            <a:endParaRPr lang="zh-CN" altLang="en-US" dirty="0" smtClean="0"/>
-          </a:p>
-        </p:txBody>
-      </p:sp>
-      <p:sp>
-        <p:nvSpPr>
           <p:cNvPr id="2" name="Rounded Rectangular Callout 1"/>
           <p:cNvSpPr/>
           <p:nvPr/>
@@ -8514,6 +8637,62 @@
           </p:txBody>
         </p:sp>
       </p:grpSp>
+      <p:sp>
+        <p:nvSpPr>
+          <p:cNvPr id="96" name="Rectangle 95"/>
+          <p:cNvSpPr/>
+          <p:nvPr/>
+        </p:nvSpPr>
+        <p:spPr>
+          <a:xfrm>
+            <a:off x="334428" y="5013000"/>
+            <a:ext cx="3836520" cy="1738053"/>
+          </a:xfrm>
+          <a:prstGeom prst="rect">
+            <a:avLst/>
+          </a:prstGeom>
+          <a:solidFill>
+            <a:schemeClr val="bg1">
+              <a:lumMod val="50000"/>
+              <a:alpha val="77000"/>
+            </a:schemeClr>
+          </a:solidFill>
+          <a:ln>
+            <a:noFill/>
+          </a:ln>
+          <a:effectLst>
+            <a:outerShdw blurRad="76200" dist="50800" dir="5400000" algn="ctr" rotWithShape="0">
+              <a:srgbClr val="000000">
+                <a:alpha val="27000"/>
+              </a:srgbClr>
+            </a:outerShdw>
+          </a:effectLst>
+        </p:spPr>
+        <p:style>
+          <a:lnRef idx="2">
+            <a:schemeClr val="accent1">
+              <a:shade val="50000"/>
+            </a:schemeClr>
+          </a:lnRef>
+          <a:fillRef idx="1">
+            <a:schemeClr val="accent1"/>
+          </a:fillRef>
+          <a:effectRef idx="0">
+            <a:schemeClr val="accent1"/>
+          </a:effectRef>
+          <a:fontRef idx="minor">
+            <a:schemeClr val="lt1"/>
+          </a:fontRef>
+        </p:style>
+        <p:txBody>
+          <a:bodyPr rtlCol="0" anchor="ctr"/>
+          <a:lstStyle/>
+          <a:p>
+            <a:pPr algn="ctr"/>
+            <a:endParaRPr lang="zh-CN" altLang="en-US" dirty="0" smtClean="0"/>
+          </a:p>
+        </p:txBody>
+      </p:sp>
     </p:spTree>
     <p:extLst>
       <p:ext uri="{BB962C8B-B14F-4D97-AF65-F5344CB8AC3E}">
@@ -8524,15 +8703,86 @@
   <p:clrMapOvr>
     <a:masterClrMapping/>
   </p:clrMapOvr>
-  <p:transition>
+  <p:transition xmlns:p14="http://schemas.microsoft.com/office/powerpoint/2010/main">
     <p:wipe dir="r"/>
   </p:transition>
   <p:timing>
     <p:tnLst>
       <p:par>
-        <p:cTn id="1" dur="indefinite" restart="never" nodeType="tmRoot"/>
+        <p:cTn xmlns:p14="http://schemas.microsoft.com/office/powerpoint/2010/main" id="1" dur="indefinite" restart="never" nodeType="tmRoot">
+          <p:childTnLst>
+            <p:seq concurrent="1" nextAc="seek">
+              <p:cTn id="2" dur="indefinite" nodeType="mainSeq">
+                <p:childTnLst>
+                  <p:par>
+                    <p:cTn id="3" fill="hold">
+                      <p:stCondLst>
+                        <p:cond delay="indefinite"/>
+                      </p:stCondLst>
+                      <p:childTnLst>
+                        <p:par>
+                          <p:cTn id="4" fill="hold">
+                            <p:stCondLst>
+                              <p:cond delay="0"/>
+                            </p:stCondLst>
+                            <p:childTnLst>
+                              <p:par>
+                                <p:cTn id="5" presetID="1" presetClass="entr" presetSubtype="0" fill="hold" grpId="0" nodeType="clickEffect">
+                                  <p:stCondLst>
+                                    <p:cond delay="0"/>
+                                  </p:stCondLst>
+                                  <p:childTnLst>
+                                    <p:set>
+                                      <p:cBhvr>
+                                        <p:cTn id="6" dur="1" fill="hold">
+                                          <p:stCondLst>
+                                            <p:cond delay="0"/>
+                                          </p:stCondLst>
+                                        </p:cTn>
+                                        <p:tgtEl>
+                                          <p:spTgt spid="96"/>
+                                        </p:tgtEl>
+                                        <p:attrNameLst>
+                                          <p:attrName>style.visibility</p:attrName>
+                                        </p:attrNameLst>
+                                      </p:cBhvr>
+                                      <p:to>
+                                        <p:strVal val="visible"/>
+                                      </p:to>
+                                    </p:set>
+                                  </p:childTnLst>
+                                </p:cTn>
+                              </p:par>
+                            </p:childTnLst>
+                          </p:cTn>
+                        </p:par>
+                      </p:childTnLst>
+                    </p:cTn>
+                  </p:par>
+                </p:childTnLst>
+              </p:cTn>
+              <p:prevCondLst>
+                <p:cond evt="onPrev" delay="0">
+                  <p:tgtEl>
+                    <p:sldTgt/>
+                  </p:tgtEl>
+                </p:cond>
+              </p:prevCondLst>
+              <p:nextCondLst>
+                <p:cond evt="onNext" delay="0">
+                  <p:tgtEl>
+                    <p:sldTgt/>
+                  </p:tgtEl>
+                </p:cond>
+              </p:nextCondLst>
+            </p:seq>
+          </p:childTnLst>
+        </p:cTn>
       </p:par>
     </p:tnLst>
+    <p:bldLst>
+      <p:bldP spid="96" grpId="0" animBg="1"/>
+    </p:bldLst>
   </p:timing>
 </p:sld>
 </file>
@@ -8556,25 +8806,6 @@
       </p:grpSpPr>
       <p:sp>
         <p:nvSpPr>
-          <p:cNvPr id="2" name="Text Placeholder 1"/>
-          <p:cNvSpPr>
-            <a:spLocks noGrp="1"/>
-          </p:cNvSpPr>
-          <p:nvPr>
-            <p:ph type="body" sz="quarter" idx="10"/>
-          </p:nvPr>
-        </p:nvSpPr>
-        <p:spPr/>
-        <p:txBody>
-          <a:bodyPr/>
-          <a:lstStyle/>
-          <a:p>
-            <a:endParaRPr lang="zh-CN" altLang="en-US" dirty="0"/>
-          </a:p>
-        </p:txBody>
-      </p:sp>
-      <p:sp>
-        <p:nvSpPr>
           <p:cNvPr id="3" name="Title 2"/>
           <p:cNvSpPr>
             <a:spLocks noGrp="1"/>
@@ -8589,24 +8820,561 @@
           <a:lstStyle/>
           <a:p>
             <a:r>
-              <a:rPr lang="en-US" altLang="zh-CN" dirty="0" smtClean="0"/>
-              <a:t>Mozilla::Dom</a:t>
-            </a:r>
-            <a:endParaRPr lang="zh-CN" altLang="en-US" dirty="0"/>
-          </a:p>
-        </p:txBody>
-      </p:sp>
+              <a:rPr lang="en-US" dirty="0" err="1" smtClean="0"/>
+              <a:t>FireFox</a:t>
+            </a:r>
+            <a:r>
+              <a:rPr lang="en-US" dirty="0" smtClean="0"/>
+              <a:t> vs. Chrome</a:t>
+            </a:r>
+            <a:endParaRPr lang="en-US" dirty="0"/>
+          </a:p>
+        </p:txBody>
+      </p:sp>
+      <p:sp>
+        <p:nvSpPr>
+          <p:cNvPr id="7" name="矩形 113"/>
+          <p:cNvSpPr/>
+          <p:nvPr/>
+        </p:nvSpPr>
+        <p:spPr>
+          <a:xfrm>
+            <a:off x="1851431" y="2043238"/>
+            <a:ext cx="2420687" cy="768054"/>
+          </a:xfrm>
+          <a:prstGeom prst="rect">
+            <a:avLst/>
+          </a:prstGeom>
+          <a:solidFill>
+            <a:schemeClr val="accent4"/>
+          </a:solidFill>
+          <a:ln w="12700">
+            <a:solidFill>
+              <a:schemeClr val="bg1"/>
+            </a:solidFill>
+          </a:ln>
+          <a:effectLst>
+            <a:outerShdw blurRad="76200" dist="50800" dir="5400000" algn="ctr" rotWithShape="0">
+              <a:srgbClr val="000000">
+                <a:alpha val="27000"/>
+              </a:srgbClr>
+            </a:outerShdw>
+          </a:effectLst>
+        </p:spPr>
+        <p:style>
+          <a:lnRef idx="2">
+            <a:schemeClr val="accent1">
+              <a:shade val="50000"/>
+            </a:schemeClr>
+          </a:lnRef>
+          <a:fillRef idx="1">
+            <a:schemeClr val="accent1"/>
+          </a:fillRef>
+          <a:effectRef idx="0">
+            <a:schemeClr val="accent1"/>
+          </a:effectRef>
+          <a:fontRef idx="minor">
+            <a:schemeClr val="lt1"/>
+          </a:fontRef>
+        </p:style>
+        <p:txBody>
+          <a:bodyPr wrap="square" rtlCol="0" anchor="ctr"/>
+          <a:lstStyle/>
+          <a:p>
+            <a:pPr algn="ctr"/>
+            <a:r>
+              <a:rPr lang="en-US" altLang="zh-CN" sz="1400" dirty="0" smtClean="0"/>
+              <a:t>Firefox</a:t>
+            </a:r>
+            <a:endParaRPr lang="zh-CN" altLang="en-US" sz="1400" dirty="0" smtClean="0"/>
+          </a:p>
+        </p:txBody>
+      </p:sp>
+      <p:sp>
+        <p:nvSpPr>
+          <p:cNvPr id="8" name="矩形 113"/>
+          <p:cNvSpPr/>
+          <p:nvPr/>
+        </p:nvSpPr>
+        <p:spPr>
+          <a:xfrm>
+            <a:off x="4849431" y="2043238"/>
+            <a:ext cx="2340417" cy="768054"/>
+          </a:xfrm>
+          <a:prstGeom prst="rect">
+            <a:avLst/>
+          </a:prstGeom>
+          <a:solidFill>
+            <a:schemeClr val="accent4"/>
+          </a:solidFill>
+          <a:ln w="12700">
+            <a:solidFill>
+              <a:schemeClr val="bg1"/>
+            </a:solidFill>
+          </a:ln>
+          <a:effectLst>
+            <a:outerShdw blurRad="76200" dist="50800" dir="5400000" algn="ctr" rotWithShape="0">
+              <a:srgbClr val="000000">
+                <a:alpha val="27000"/>
+              </a:srgbClr>
+            </a:outerShdw>
+          </a:effectLst>
+        </p:spPr>
+        <p:style>
+          <a:lnRef idx="2">
+            <a:schemeClr val="accent1">
+              <a:shade val="50000"/>
+            </a:schemeClr>
+          </a:lnRef>
+          <a:fillRef idx="1">
+            <a:schemeClr val="accent1"/>
+          </a:fillRef>
+          <a:effectRef idx="0">
+            <a:schemeClr val="accent1"/>
+          </a:effectRef>
+          <a:fontRef idx="minor">
+            <a:schemeClr val="lt1"/>
+          </a:fontRef>
+        </p:style>
+        <p:txBody>
+          <a:bodyPr wrap="square" rtlCol="0" anchor="ctr"/>
+          <a:lstStyle/>
+          <a:p>
+            <a:pPr algn="ctr"/>
+            <a:r>
+              <a:rPr lang="en-US" altLang="zh-CN" sz="1400" dirty="0" smtClean="0"/>
+              <a:t>Chrome</a:t>
+            </a:r>
+            <a:endParaRPr lang="zh-CN" altLang="en-US" sz="1400" dirty="0" smtClean="0"/>
+          </a:p>
+        </p:txBody>
+      </p:sp>
+      <p:sp>
+        <p:nvSpPr>
+          <p:cNvPr id="9" name="Rectangle 8"/>
+          <p:cNvSpPr/>
+          <p:nvPr/>
+        </p:nvSpPr>
+        <p:spPr>
+          <a:xfrm>
+            <a:off x="1911548" y="3463474"/>
+            <a:ext cx="5324111" cy="2052430"/>
+          </a:xfrm>
+          <a:prstGeom prst="rect">
+            <a:avLst/>
+          </a:prstGeom>
+          <a:noFill/>
+          <a:ln w="6350">
+            <a:solidFill>
+              <a:schemeClr val="bg1"/>
+            </a:solidFill>
+          </a:ln>
+        </p:spPr>
+        <p:style>
+          <a:lnRef idx="3">
+            <a:schemeClr val="lt1"/>
+          </a:lnRef>
+          <a:fillRef idx="1">
+            <a:schemeClr val="accent2"/>
+          </a:fillRef>
+          <a:effectRef idx="1">
+            <a:schemeClr val="accent2"/>
+          </a:effectRef>
+          <a:fontRef idx="minor">
+            <a:schemeClr val="lt1"/>
+          </a:fontRef>
+        </p:style>
+        <p:txBody>
+          <a:bodyPr wrap="square" rtlCol="0" anchor="t"/>
+          <a:lstStyle/>
+          <a:p>
+            <a:r>
+              <a:rPr lang="en-US" sz="1400" dirty="0" smtClean="0"/>
+              <a:t>WebRTC.org</a:t>
+            </a:r>
+          </a:p>
+        </p:txBody>
+      </p:sp>
+      <p:sp>
+        <p:nvSpPr>
+          <p:cNvPr id="10" name="矩形 113"/>
+          <p:cNvSpPr/>
+          <p:nvPr/>
+        </p:nvSpPr>
+        <p:spPr>
+          <a:xfrm>
+            <a:off x="2476032" y="3876679"/>
+            <a:ext cx="4220802" cy="430779"/>
+          </a:xfrm>
+          <a:prstGeom prst="rect">
+            <a:avLst/>
+          </a:prstGeom>
+          <a:solidFill>
+            <a:schemeClr val="accent6"/>
+          </a:solidFill>
+          <a:ln w="12700">
+            <a:solidFill>
+              <a:schemeClr val="bg1"/>
+            </a:solidFill>
+          </a:ln>
+          <a:effectLst>
+            <a:outerShdw blurRad="76200" dist="50800" dir="5400000" algn="ctr" rotWithShape="0">
+              <a:srgbClr val="000000">
+                <a:alpha val="27000"/>
+              </a:srgbClr>
+            </a:outerShdw>
+          </a:effectLst>
+        </p:spPr>
+        <p:style>
+          <a:lnRef idx="2">
+            <a:schemeClr val="accent1">
+              <a:shade val="50000"/>
+            </a:schemeClr>
+          </a:lnRef>
+          <a:fillRef idx="1">
+            <a:schemeClr val="accent1"/>
+          </a:fillRef>
+          <a:effectRef idx="0">
+            <a:schemeClr val="accent1"/>
+          </a:effectRef>
+          <a:fontRef idx="minor">
+            <a:schemeClr val="lt1"/>
+          </a:fontRef>
+        </p:style>
+        <p:txBody>
+          <a:bodyPr wrap="square" rtlCol="0" anchor="ctr"/>
+          <a:lstStyle/>
+          <a:p>
+            <a:pPr algn="ctr"/>
+            <a:r>
+              <a:rPr lang="en-US" altLang="zh-CN" sz="1400" dirty="0" smtClean="0"/>
+              <a:t>Video Engine</a:t>
+            </a:r>
+            <a:endParaRPr lang="zh-CN" altLang="en-US" sz="1400" dirty="0" smtClean="0"/>
+          </a:p>
+        </p:txBody>
+      </p:sp>
+      <p:sp>
+        <p:nvSpPr>
+          <p:cNvPr id="11" name="矩形 113"/>
+          <p:cNvSpPr/>
+          <p:nvPr/>
+        </p:nvSpPr>
+        <p:spPr>
+          <a:xfrm>
+            <a:off x="3964273" y="4492221"/>
+            <a:ext cx="1260000" cy="720000"/>
+          </a:xfrm>
+          <a:prstGeom prst="rect">
+            <a:avLst/>
+          </a:prstGeom>
+          <a:solidFill>
+            <a:schemeClr val="accent6"/>
+          </a:solidFill>
+          <a:ln w="12700">
+            <a:solidFill>
+              <a:schemeClr val="bg1"/>
+            </a:solidFill>
+          </a:ln>
+          <a:effectLst>
+            <a:outerShdw blurRad="76200" dist="50800" dir="5400000" algn="ctr" rotWithShape="0">
+              <a:srgbClr val="000000">
+                <a:alpha val="27000"/>
+              </a:srgbClr>
+            </a:outerShdw>
+          </a:effectLst>
+        </p:spPr>
+        <p:style>
+          <a:lnRef idx="2">
+            <a:schemeClr val="accent1">
+              <a:shade val="50000"/>
+            </a:schemeClr>
+          </a:lnRef>
+          <a:fillRef idx="1">
+            <a:schemeClr val="accent1"/>
+          </a:fillRef>
+          <a:effectRef idx="0">
+            <a:schemeClr val="accent1"/>
+          </a:effectRef>
+          <a:fontRef idx="minor">
+            <a:schemeClr val="lt1"/>
+          </a:fontRef>
+        </p:style>
+        <p:txBody>
+          <a:bodyPr wrap="square" rtlCol="0" anchor="ctr"/>
+          <a:lstStyle/>
+          <a:p>
+            <a:pPr algn="ctr"/>
+            <a:r>
+              <a:rPr lang="en-US" altLang="zh-CN" sz="1400" dirty="0" smtClean="0"/>
+              <a:t>Video Codec</a:t>
+            </a:r>
+            <a:endParaRPr lang="zh-CN" altLang="en-US" sz="1400" dirty="0" smtClean="0"/>
+          </a:p>
+        </p:txBody>
+      </p:sp>
+      <p:sp>
+        <p:nvSpPr>
+          <p:cNvPr id="12" name="矩形 113"/>
+          <p:cNvSpPr/>
+          <p:nvPr/>
+        </p:nvSpPr>
+        <p:spPr>
+          <a:xfrm>
+            <a:off x="2477994" y="4492221"/>
+            <a:ext cx="1260000" cy="720000"/>
+          </a:xfrm>
+          <a:prstGeom prst="rect">
+            <a:avLst/>
+          </a:prstGeom>
+          <a:solidFill>
+            <a:schemeClr val="accent6"/>
+          </a:solidFill>
+          <a:ln w="12700">
+            <a:solidFill>
+              <a:schemeClr val="bg1"/>
+            </a:solidFill>
+          </a:ln>
+          <a:effectLst>
+            <a:outerShdw blurRad="76200" dist="50800" dir="5400000" algn="ctr" rotWithShape="0">
+              <a:srgbClr val="000000">
+                <a:alpha val="27000"/>
+              </a:srgbClr>
+            </a:outerShdw>
+          </a:effectLst>
+        </p:spPr>
+        <p:style>
+          <a:lnRef idx="2">
+            <a:schemeClr val="accent1">
+              <a:shade val="50000"/>
+            </a:schemeClr>
+          </a:lnRef>
+          <a:fillRef idx="1">
+            <a:schemeClr val="accent1"/>
+          </a:fillRef>
+          <a:effectRef idx="0">
+            <a:schemeClr val="accent1"/>
+          </a:effectRef>
+          <a:fontRef idx="minor">
+            <a:schemeClr val="lt1"/>
+          </a:fontRef>
+        </p:style>
+        <p:txBody>
+          <a:bodyPr wrap="square" rtlCol="0" anchor="ctr"/>
+          <a:lstStyle/>
+          <a:p>
+            <a:pPr algn="ctr"/>
+            <a:r>
+              <a:rPr lang="en-US" altLang="zh-CN" sz="1400" dirty="0" smtClean="0"/>
+              <a:t>Video Capturer</a:t>
+            </a:r>
+            <a:endParaRPr lang="zh-CN" altLang="en-US" sz="1400" dirty="0" smtClean="0"/>
+          </a:p>
+        </p:txBody>
+      </p:sp>
+      <p:sp>
+        <p:nvSpPr>
+          <p:cNvPr id="13" name="矩形 113"/>
+          <p:cNvSpPr/>
+          <p:nvPr/>
+        </p:nvSpPr>
+        <p:spPr>
+          <a:xfrm>
+            <a:off x="5439573" y="4492221"/>
+            <a:ext cx="1260000" cy="720000"/>
+          </a:xfrm>
+          <a:prstGeom prst="rect">
+            <a:avLst/>
+          </a:prstGeom>
+          <a:solidFill>
+            <a:schemeClr val="accent6">
+              <a:lumMod val="60000"/>
+              <a:lumOff val="40000"/>
+            </a:schemeClr>
+          </a:solidFill>
+          <a:ln w="12700">
+            <a:solidFill>
+              <a:schemeClr val="bg1"/>
+            </a:solidFill>
+          </a:ln>
+          <a:effectLst>
+            <a:outerShdw blurRad="76200" dist="50800" dir="5400000" algn="ctr" rotWithShape="0">
+              <a:srgbClr val="000000">
+                <a:alpha val="27000"/>
+              </a:srgbClr>
+            </a:outerShdw>
+          </a:effectLst>
+        </p:spPr>
+        <p:style>
+          <a:lnRef idx="2">
+            <a:schemeClr val="accent1">
+              <a:shade val="50000"/>
+            </a:schemeClr>
+          </a:lnRef>
+          <a:fillRef idx="1">
+            <a:schemeClr val="accent1"/>
+          </a:fillRef>
+          <a:effectRef idx="0">
+            <a:schemeClr val="accent1"/>
+          </a:effectRef>
+          <a:fontRef idx="minor">
+            <a:schemeClr val="lt1"/>
+          </a:fontRef>
+        </p:style>
+        <p:txBody>
+          <a:bodyPr wrap="square" rtlCol="0" anchor="ctr"/>
+          <a:lstStyle/>
+          <a:p>
+            <a:pPr algn="ctr"/>
+            <a:r>
+              <a:rPr lang="en-US" altLang="zh-CN" sz="1400" dirty="0" smtClean="0">
+                <a:solidFill>
+                  <a:srgbClr val="000000"/>
+                </a:solidFill>
+              </a:rPr>
+              <a:t>Screen</a:t>
+            </a:r>
+          </a:p>
+          <a:p>
+            <a:pPr algn="ctr"/>
+            <a:r>
+              <a:rPr lang="en-US" altLang="zh-CN" sz="1400" dirty="0" smtClean="0">
+                <a:solidFill>
+                  <a:srgbClr val="000000"/>
+                </a:solidFill>
+              </a:rPr>
+              <a:t>Capture</a:t>
+            </a:r>
+            <a:endParaRPr lang="zh-CN" altLang="en-US" sz="1400" dirty="0" smtClean="0">
+              <a:solidFill>
+                <a:srgbClr val="000000"/>
+              </a:solidFill>
+            </a:endParaRPr>
+          </a:p>
+        </p:txBody>
+      </p:sp>
+      <p:cxnSp>
+        <p:nvCxnSpPr>
+          <p:cNvPr id="19" name="Curved Connector 18"/>
+          <p:cNvCxnSpPr>
+            <a:stCxn id="8" idx="2"/>
+            <a:endCxn id="13" idx="3"/>
+          </p:cNvCxnSpPr>
+          <p:nvPr/>
+        </p:nvCxnSpPr>
+        <p:spPr>
+          <a:xfrm rot="16200000" flipH="1">
+            <a:off x="5339142" y="3491789"/>
+            <a:ext cx="2040929" cy="679933"/>
+          </a:xfrm>
+          <a:prstGeom prst="curvedConnector4">
+            <a:avLst>
+              <a:gd name="adj1" fmla="val 13525"/>
+              <a:gd name="adj2" fmla="val 205727"/>
+            </a:avLst>
+          </a:prstGeom>
+          <a:ln w="76200">
+            <a:tailEnd type="triangle"/>
+          </a:ln>
+        </p:spPr>
+        <p:style>
+          <a:lnRef idx="2">
+            <a:schemeClr val="accent1"/>
+          </a:lnRef>
+          <a:fillRef idx="0">
+            <a:schemeClr val="accent1"/>
+          </a:fillRef>
+          <a:effectRef idx="1">
+            <a:schemeClr val="accent1"/>
+          </a:effectRef>
+          <a:fontRef idx="minor">
+            <a:schemeClr val="tx1"/>
+          </a:fontRef>
+        </p:style>
+      </p:cxnSp>
+      <p:cxnSp>
+        <p:nvCxnSpPr>
+          <p:cNvPr id="21" name="Curved Connector 20"/>
+          <p:cNvCxnSpPr>
+            <a:stCxn id="8" idx="2"/>
+          </p:cNvCxnSpPr>
+          <p:nvPr/>
+        </p:nvCxnSpPr>
+        <p:spPr>
+          <a:xfrm rot="5400000">
+            <a:off x="5679345" y="3148837"/>
+            <a:ext cx="677841" cy="2750"/>
+          </a:xfrm>
+          <a:prstGeom prst="curvedConnector3">
+            <a:avLst>
+              <a:gd name="adj1" fmla="val 50000"/>
+            </a:avLst>
+          </a:prstGeom>
+          <a:ln w="76200">
+            <a:tailEnd type="triangle"/>
+          </a:ln>
+        </p:spPr>
+        <p:style>
+          <a:lnRef idx="2">
+            <a:schemeClr val="accent1"/>
+          </a:lnRef>
+          <a:fillRef idx="0">
+            <a:schemeClr val="accent1"/>
+          </a:fillRef>
+          <a:effectRef idx="1">
+            <a:schemeClr val="accent1"/>
+          </a:effectRef>
+          <a:fontRef idx="minor">
+            <a:schemeClr val="tx1"/>
+          </a:fontRef>
+        </p:style>
+      </p:cxnSp>
+      <p:cxnSp>
+        <p:nvCxnSpPr>
+          <p:cNvPr id="24" name="Curved Connector 23"/>
+          <p:cNvCxnSpPr/>
+          <p:nvPr/>
+        </p:nvCxnSpPr>
+        <p:spPr>
+          <a:xfrm rot="5400000">
+            <a:off x="2765570" y="3134478"/>
+            <a:ext cx="677841" cy="2750"/>
+          </a:xfrm>
+          <a:prstGeom prst="curvedConnector3">
+            <a:avLst>
+              <a:gd name="adj1" fmla="val 50000"/>
+            </a:avLst>
+          </a:prstGeom>
+          <a:ln w="76200">
+            <a:tailEnd type="triangle"/>
+          </a:ln>
+        </p:spPr>
+        <p:style>
+          <a:lnRef idx="2">
+            <a:schemeClr val="accent1"/>
+          </a:lnRef>
+          <a:fillRef idx="0">
+            <a:schemeClr val="accent1"/>
+          </a:fillRef>
+          <a:effectRef idx="1">
+            <a:schemeClr val="accent1"/>
+          </a:effectRef>
+          <a:fontRef idx="minor">
+            <a:schemeClr val="tx1"/>
+          </a:fontRef>
+        </p:style>
+      </p:cxnSp>
     </p:spTree>
     <p:extLst>
       <p:ext uri="{BB962C8B-B14F-4D97-AF65-F5344CB8AC3E}">
-        <p14:creationId xmlns:p14="http://schemas.microsoft.com/office/powerpoint/2010/main" val="928110006"/>
+        <p14:creationId xmlns:p14="http://schemas.microsoft.com/office/powerpoint/2010/main" val="2287883489"/>
       </p:ext>
     </p:extLst>
   </p:cSld>
   <p:clrMapOvr>
     <a:masterClrMapping/>
   </p:clrMapOvr>
-  <p:transition>
+  <p:transition xmlns:p14="http://schemas.microsoft.com/office/powerpoint/2010/main">
     <p:wipe dir="r"/>
   </p:transition>
 </p:sld>
@@ -8631,20 +9399,130 @@
       </p:grpSpPr>
       <p:sp>
         <p:nvSpPr>
-          <p:cNvPr id="2" name="Text Placeholder 1"/>
-          <p:cNvSpPr>
-            <a:spLocks noGrp="1"/>
-          </p:cNvSpPr>
-          <p:nvPr>
-            <p:ph type="body" sz="quarter" idx="10"/>
-          </p:nvPr>
-        </p:nvSpPr>
-        <p:spPr/>
-        <p:txBody>
-          <a:bodyPr/>
-          <a:lstStyle/>
-          <a:p>
-            <a:endParaRPr lang="zh-CN" altLang="en-US"/>
+          <p:cNvPr id="5" name="矩形 113"/>
+          <p:cNvSpPr/>
+          <p:nvPr/>
+        </p:nvSpPr>
+        <p:spPr>
+          <a:xfrm>
+            <a:off x="3760298" y="5193905"/>
+            <a:ext cx="4588539" cy="706372"/>
+          </a:xfrm>
+          <a:prstGeom prst="rect">
+            <a:avLst/>
+          </a:prstGeom>
+          <a:solidFill>
+            <a:srgbClr val="002060"/>
+          </a:solidFill>
+          <a:ln w="12700">
+            <a:solidFill>
+              <a:schemeClr val="bg1"/>
+            </a:solidFill>
+          </a:ln>
+          <a:effectLst>
+            <a:outerShdw blurRad="76200" dist="50800" dir="5400000" algn="ctr" rotWithShape="0">
+              <a:srgbClr val="000000">
+                <a:alpha val="27000"/>
+              </a:srgbClr>
+            </a:outerShdw>
+          </a:effectLst>
+        </p:spPr>
+        <p:style>
+          <a:lnRef idx="2">
+            <a:schemeClr val="accent1">
+              <a:shade val="50000"/>
+            </a:schemeClr>
+          </a:lnRef>
+          <a:fillRef idx="1">
+            <a:schemeClr val="accent1"/>
+          </a:fillRef>
+          <a:effectRef idx="0">
+            <a:schemeClr val="accent1"/>
+          </a:effectRef>
+          <a:fontRef idx="minor">
+            <a:schemeClr val="lt1"/>
+          </a:fontRef>
+        </p:style>
+        <p:txBody>
+          <a:bodyPr wrap="square" rtlCol="0" anchor="t"/>
+          <a:lstStyle/>
+          <a:p>
+            <a:r>
+              <a:rPr lang="en-US" altLang="zh-CN" sz="900" dirty="0" smtClean="0"/>
+              <a:t>Screen </a:t>
+            </a:r>
+          </a:p>
+          <a:p>
+            <a:r>
+              <a:rPr lang="en-US" altLang="zh-CN" sz="900" dirty="0" smtClean="0"/>
+              <a:t>Capture</a:t>
+            </a:r>
+          </a:p>
+          <a:p>
+            <a:r>
+              <a:rPr lang="en-US" altLang="zh-CN" sz="900" dirty="0" smtClean="0"/>
+              <a:t>Module</a:t>
+            </a:r>
+            <a:endParaRPr lang="zh-CN" altLang="en-US" sz="900" dirty="0" smtClean="0"/>
+          </a:p>
+        </p:txBody>
+      </p:sp>
+      <p:sp>
+        <p:nvSpPr>
+          <p:cNvPr id="54" name="矩形 113"/>
+          <p:cNvSpPr/>
+          <p:nvPr/>
+        </p:nvSpPr>
+        <p:spPr>
+          <a:xfrm>
+            <a:off x="5566787" y="5245815"/>
+            <a:ext cx="1205131" cy="518191"/>
+          </a:xfrm>
+          <a:prstGeom prst="rect">
+            <a:avLst/>
+          </a:prstGeom>
+          <a:solidFill>
+            <a:schemeClr val="accent6"/>
+          </a:solidFill>
+          <a:ln w="12700">
+            <a:solidFill>
+              <a:schemeClr val="bg1"/>
+            </a:solidFill>
+          </a:ln>
+          <a:effectLst>
+            <a:outerShdw blurRad="76200" dist="50800" dir="5400000" algn="ctr" rotWithShape="0">
+              <a:srgbClr val="000000">
+                <a:alpha val="27000"/>
+              </a:srgbClr>
+            </a:outerShdw>
+          </a:effectLst>
+        </p:spPr>
+        <p:style>
+          <a:lnRef idx="2">
+            <a:schemeClr val="accent1">
+              <a:shade val="50000"/>
+            </a:schemeClr>
+          </a:lnRef>
+          <a:fillRef idx="1">
+            <a:schemeClr val="accent1"/>
+          </a:fillRef>
+          <a:effectRef idx="0">
+            <a:schemeClr val="accent1"/>
+          </a:effectRef>
+          <a:fontRef idx="minor">
+            <a:schemeClr val="lt1"/>
+          </a:fontRef>
+        </p:style>
+        <p:txBody>
+          <a:bodyPr wrap="square" rtlCol="0" anchor="ctr"/>
+          <a:lstStyle/>
+          <a:p>
+            <a:pPr algn="ctr"/>
+            <a:r>
+              <a:rPr lang="en-US" altLang="zh-CN" sz="900" dirty="0" smtClean="0"/>
+              <a:t>Screen Capturer</a:t>
+            </a:r>
+            <a:endParaRPr lang="zh-CN" altLang="en-US" sz="900" dirty="0" smtClean="0"/>
           </a:p>
         </p:txBody>
       </p:sp>
@@ -8664,30 +9542,2456 @@
           <a:lstStyle/>
           <a:p>
             <a:r>
-              <a:rPr lang="en-US" altLang="zh-CN" dirty="0"/>
+              <a:rPr lang="en-US" altLang="zh-CN" dirty="0" smtClean="0"/>
+              <a:t>Current Status</a:t>
+            </a:r>
+            <a:endParaRPr lang="zh-CN" altLang="en-US" sz="2000" dirty="0"/>
+          </a:p>
+        </p:txBody>
+      </p:sp>
+      <p:sp>
+        <p:nvSpPr>
+          <p:cNvPr id="4" name="矩形 113"/>
+          <p:cNvSpPr/>
+          <p:nvPr/>
+        </p:nvSpPr>
+        <p:spPr>
+          <a:xfrm>
+            <a:off x="3768132" y="4712677"/>
+            <a:ext cx="4580705" cy="467059"/>
+          </a:xfrm>
+          <a:prstGeom prst="rect">
+            <a:avLst/>
+          </a:prstGeom>
+          <a:solidFill>
+            <a:srgbClr val="002060"/>
+          </a:solidFill>
+          <a:ln w="12700">
+            <a:solidFill>
+              <a:schemeClr val="bg1"/>
+            </a:solidFill>
+          </a:ln>
+          <a:effectLst>
+            <a:outerShdw blurRad="76200" dist="50800" dir="5400000" algn="ctr" rotWithShape="0">
+              <a:srgbClr val="000000">
+                <a:alpha val="27000"/>
+              </a:srgbClr>
+            </a:outerShdw>
+          </a:effectLst>
+        </p:spPr>
+        <p:style>
+          <a:lnRef idx="2">
+            <a:schemeClr val="accent1">
+              <a:shade val="50000"/>
+            </a:schemeClr>
+          </a:lnRef>
+          <a:fillRef idx="1">
+            <a:schemeClr val="accent1"/>
+          </a:fillRef>
+          <a:effectRef idx="0">
+            <a:schemeClr val="accent1"/>
+          </a:effectRef>
+          <a:fontRef idx="minor">
+            <a:schemeClr val="lt1"/>
+          </a:fontRef>
+        </p:style>
+        <p:txBody>
+          <a:bodyPr wrap="square" rtlCol="0" anchor="t"/>
+          <a:lstStyle/>
+          <a:p>
+            <a:endParaRPr lang="zh-CN" altLang="en-US" sz="900" dirty="0" smtClean="0"/>
+          </a:p>
+        </p:txBody>
+      </p:sp>
+      <p:sp>
+        <p:nvSpPr>
+          <p:cNvPr id="6" name="矩形 113"/>
+          <p:cNvSpPr/>
+          <p:nvPr/>
+        </p:nvSpPr>
+        <p:spPr>
+          <a:xfrm>
+            <a:off x="342900" y="4793064"/>
+            <a:ext cx="3294603" cy="1093954"/>
+          </a:xfrm>
+          <a:prstGeom prst="rect">
+            <a:avLst/>
+          </a:prstGeom>
+          <a:solidFill>
+            <a:srgbClr val="002060"/>
+          </a:solidFill>
+          <a:ln w="12700">
+            <a:solidFill>
+              <a:schemeClr val="bg1"/>
+            </a:solidFill>
+          </a:ln>
+          <a:effectLst>
+            <a:outerShdw blurRad="76200" dist="50800" dir="5400000" algn="ctr" rotWithShape="0">
+              <a:srgbClr val="000000">
+                <a:alpha val="27000"/>
+              </a:srgbClr>
+            </a:outerShdw>
+          </a:effectLst>
+        </p:spPr>
+        <p:style>
+          <a:lnRef idx="2">
+            <a:schemeClr val="accent1">
+              <a:shade val="50000"/>
+            </a:schemeClr>
+          </a:lnRef>
+          <a:fillRef idx="1">
+            <a:schemeClr val="accent1"/>
+          </a:fillRef>
+          <a:effectRef idx="0">
+            <a:schemeClr val="accent1"/>
+          </a:effectRef>
+          <a:fontRef idx="minor">
+            <a:schemeClr val="lt1"/>
+          </a:fontRef>
+        </p:style>
+        <p:txBody>
+          <a:bodyPr wrap="square" rtlCol="0" anchor="t"/>
+          <a:lstStyle/>
+          <a:p>
+            <a:r>
+              <a:rPr lang="en-US" altLang="zh-CN" sz="900" dirty="0" smtClean="0"/>
+              <a:t>Video</a:t>
+            </a:r>
+          </a:p>
+          <a:p>
+            <a:r>
+              <a:rPr lang="en-US" altLang="zh-CN" sz="900" dirty="0" smtClean="0"/>
+              <a:t>Capture</a:t>
+            </a:r>
+          </a:p>
+          <a:p>
+            <a:r>
+              <a:rPr lang="en-US" altLang="zh-CN" sz="900" dirty="0" smtClean="0"/>
+              <a:t>Module</a:t>
+            </a:r>
+            <a:endParaRPr lang="zh-CN" altLang="en-US" sz="900" dirty="0" smtClean="0"/>
+          </a:p>
+        </p:txBody>
+      </p:sp>
+      <p:sp>
+        <p:nvSpPr>
+          <p:cNvPr id="7" name="矩形 113"/>
+          <p:cNvSpPr/>
+          <p:nvPr/>
+        </p:nvSpPr>
+        <p:spPr>
+          <a:xfrm>
+            <a:off x="3086107" y="1132675"/>
+            <a:ext cx="2368219" cy="180000"/>
+          </a:xfrm>
+          <a:prstGeom prst="rect">
+            <a:avLst/>
+          </a:prstGeom>
+          <a:solidFill>
+            <a:schemeClr val="accent4"/>
+          </a:solidFill>
+          <a:ln w="12700">
+            <a:solidFill>
+              <a:schemeClr val="bg1"/>
+            </a:solidFill>
+          </a:ln>
+          <a:effectLst>
+            <a:outerShdw blurRad="76200" dist="50800" dir="5400000" algn="ctr" rotWithShape="0">
+              <a:srgbClr val="000000">
+                <a:alpha val="27000"/>
+              </a:srgbClr>
+            </a:outerShdw>
+          </a:effectLst>
+        </p:spPr>
+        <p:style>
+          <a:lnRef idx="2">
+            <a:schemeClr val="accent1">
+              <a:shade val="50000"/>
+            </a:schemeClr>
+          </a:lnRef>
+          <a:fillRef idx="1">
+            <a:schemeClr val="accent1"/>
+          </a:fillRef>
+          <a:effectRef idx="0">
+            <a:schemeClr val="accent1"/>
+          </a:effectRef>
+          <a:fontRef idx="minor">
+            <a:schemeClr val="lt1"/>
+          </a:fontRef>
+        </p:style>
+        <p:txBody>
+          <a:bodyPr wrap="square" rtlCol="0" anchor="ctr"/>
+          <a:lstStyle/>
+          <a:p>
+            <a:pPr algn="ctr"/>
+            <a:r>
+              <a:rPr lang="en-US" altLang="zh-CN" sz="900" dirty="0" smtClean="0"/>
+              <a:t>Web App</a:t>
+            </a:r>
+            <a:endParaRPr lang="zh-CN" altLang="en-US" sz="900" dirty="0" smtClean="0"/>
+          </a:p>
+        </p:txBody>
+      </p:sp>
+      <p:sp>
+        <p:nvSpPr>
+          <p:cNvPr id="12" name="Rectangle 11"/>
+          <p:cNvSpPr/>
+          <p:nvPr/>
+        </p:nvSpPr>
+        <p:spPr>
+          <a:xfrm>
+            <a:off x="247427" y="1420674"/>
+            <a:ext cx="8197326" cy="447007"/>
+          </a:xfrm>
+          <a:prstGeom prst="rect">
+            <a:avLst/>
+          </a:prstGeom>
+          <a:noFill/>
+          <a:ln w="6350">
+            <a:solidFill>
+              <a:schemeClr val="bg1"/>
+            </a:solidFill>
+          </a:ln>
+        </p:spPr>
+        <p:style>
+          <a:lnRef idx="3">
+            <a:schemeClr val="lt1"/>
+          </a:lnRef>
+          <a:fillRef idx="1">
+            <a:schemeClr val="accent2"/>
+          </a:fillRef>
+          <a:effectRef idx="1">
+            <a:schemeClr val="accent2"/>
+          </a:effectRef>
+          <a:fontRef idx="minor">
+            <a:schemeClr val="lt1"/>
+          </a:fontRef>
+        </p:style>
+        <p:txBody>
+          <a:bodyPr wrap="square" rtlCol="0" anchor="t"/>
+          <a:lstStyle/>
+          <a:p>
+            <a:r>
+              <a:rPr lang="en-US" sz="900" dirty="0" smtClean="0"/>
+              <a:t>Mozilla::Browser</a:t>
+            </a:r>
+          </a:p>
+        </p:txBody>
+      </p:sp>
+      <p:sp>
+        <p:nvSpPr>
+          <p:cNvPr id="13" name="Rectangle 12"/>
+          <p:cNvSpPr/>
+          <p:nvPr/>
+        </p:nvSpPr>
+        <p:spPr>
+          <a:xfrm>
+            <a:off x="247427" y="3569506"/>
+            <a:ext cx="8197326" cy="2740860"/>
+          </a:xfrm>
+          <a:prstGeom prst="rect">
+            <a:avLst/>
+          </a:prstGeom>
+          <a:noFill/>
+          <a:ln w="6350">
+            <a:solidFill>
+              <a:schemeClr val="bg1"/>
+            </a:solidFill>
+          </a:ln>
+        </p:spPr>
+        <p:style>
+          <a:lnRef idx="3">
+            <a:schemeClr val="lt1"/>
+          </a:lnRef>
+          <a:fillRef idx="1">
+            <a:schemeClr val="accent2"/>
+          </a:fillRef>
+          <a:effectRef idx="1">
+            <a:schemeClr val="accent2"/>
+          </a:effectRef>
+          <a:fontRef idx="minor">
+            <a:schemeClr val="lt1"/>
+          </a:fontRef>
+        </p:style>
+        <p:txBody>
+          <a:bodyPr wrap="square" rtlCol="0" anchor="t"/>
+          <a:lstStyle/>
+          <a:p>
+            <a:r>
+              <a:rPr lang="en-US" sz="900" dirty="0" smtClean="0"/>
+              <a:t>WebRTC.org</a:t>
+            </a:r>
+          </a:p>
+        </p:txBody>
+      </p:sp>
+      <p:sp>
+        <p:nvSpPr>
+          <p:cNvPr id="14" name="矩形 113"/>
+          <p:cNvSpPr/>
+          <p:nvPr/>
+        </p:nvSpPr>
+        <p:spPr>
+          <a:xfrm>
+            <a:off x="342900" y="3778180"/>
+            <a:ext cx="8005937" cy="934497"/>
+          </a:xfrm>
+          <a:prstGeom prst="rect">
+            <a:avLst/>
+          </a:prstGeom>
+          <a:solidFill>
+            <a:srgbClr val="002060"/>
+          </a:solidFill>
+          <a:ln w="12700">
+            <a:solidFill>
+              <a:schemeClr val="bg1"/>
+            </a:solidFill>
+          </a:ln>
+          <a:effectLst>
+            <a:outerShdw blurRad="76200" dist="50800" dir="5400000" algn="ctr" rotWithShape="0">
+              <a:srgbClr val="000000">
+                <a:alpha val="27000"/>
+              </a:srgbClr>
+            </a:outerShdw>
+          </a:effectLst>
+        </p:spPr>
+        <p:style>
+          <a:lnRef idx="2">
+            <a:schemeClr val="accent1">
+              <a:shade val="50000"/>
+            </a:schemeClr>
+          </a:lnRef>
+          <a:fillRef idx="1">
+            <a:schemeClr val="accent1"/>
+          </a:fillRef>
+          <a:effectRef idx="0">
+            <a:schemeClr val="accent1"/>
+          </a:effectRef>
+          <a:fontRef idx="minor">
+            <a:schemeClr val="lt1"/>
+          </a:fontRef>
+        </p:style>
+        <p:txBody>
+          <a:bodyPr wrap="square" rtlCol="0" anchor="t"/>
+          <a:lstStyle/>
+          <a:p>
+            <a:r>
+              <a:rPr lang="en-US" altLang="zh-CN" sz="900" dirty="0" err="1" smtClean="0"/>
+              <a:t>VideoEigine</a:t>
+            </a:r>
+            <a:endParaRPr lang="zh-CN" altLang="en-US" sz="900" dirty="0" smtClean="0"/>
+          </a:p>
+        </p:txBody>
+      </p:sp>
+      <p:sp>
+        <p:nvSpPr>
+          <p:cNvPr id="15" name="Rectangle 14"/>
+          <p:cNvSpPr/>
+          <p:nvPr/>
+        </p:nvSpPr>
+        <p:spPr>
+          <a:xfrm>
+            <a:off x="247427" y="2803488"/>
+            <a:ext cx="8197326" cy="695681"/>
+          </a:xfrm>
+          <a:prstGeom prst="rect">
+            <a:avLst/>
+          </a:prstGeom>
+          <a:noFill/>
+          <a:ln w="6350">
+            <a:solidFill>
+              <a:schemeClr val="bg1"/>
+            </a:solidFill>
+          </a:ln>
+        </p:spPr>
+        <p:style>
+          <a:lnRef idx="3">
+            <a:schemeClr val="lt1"/>
+          </a:lnRef>
+          <a:fillRef idx="1">
+            <a:schemeClr val="accent2"/>
+          </a:fillRef>
+          <a:effectRef idx="1">
+            <a:schemeClr val="accent2"/>
+          </a:effectRef>
+          <a:fontRef idx="minor">
+            <a:schemeClr val="lt1"/>
+          </a:fontRef>
+        </p:style>
+        <p:txBody>
+          <a:bodyPr wrap="square" rtlCol="0" anchor="t"/>
+          <a:lstStyle/>
+          <a:p>
+            <a:r>
+              <a:rPr lang="en-US" altLang="zh-CN" sz="900" dirty="0"/>
               <a:t>Mozilla</a:t>
             </a:r>
             <a:r>
-              <a:rPr lang="en-US" altLang="zh-CN" dirty="0" smtClean="0"/>
-              <a:t>::Content</a:t>
-            </a:r>
-            <a:endParaRPr lang="zh-CN" altLang="en-US" dirty="0"/>
+              <a:rPr lang="en-US" altLang="zh-CN" sz="900" dirty="0" smtClean="0"/>
+              <a:t>::</a:t>
+            </a:r>
+            <a:r>
+              <a:rPr lang="en-US" sz="900" dirty="0" smtClean="0"/>
+              <a:t>Content::Media</a:t>
+            </a:r>
+          </a:p>
+        </p:txBody>
+      </p:sp>
+      <p:sp>
+        <p:nvSpPr>
+          <p:cNvPr id="16" name="Rectangle 15"/>
+          <p:cNvSpPr/>
+          <p:nvPr/>
+        </p:nvSpPr>
+        <p:spPr>
+          <a:xfrm>
+            <a:off x="247427" y="1943460"/>
+            <a:ext cx="8197326" cy="709308"/>
+          </a:xfrm>
+          <a:prstGeom prst="rect">
+            <a:avLst/>
+          </a:prstGeom>
+          <a:noFill/>
+          <a:ln w="6350">
+            <a:solidFill>
+              <a:schemeClr val="bg1"/>
+            </a:solidFill>
+          </a:ln>
+        </p:spPr>
+        <p:style>
+          <a:lnRef idx="3">
+            <a:schemeClr val="lt1"/>
+          </a:lnRef>
+          <a:fillRef idx="1">
+            <a:schemeClr val="accent2"/>
+          </a:fillRef>
+          <a:effectRef idx="1">
+            <a:schemeClr val="accent2"/>
+          </a:effectRef>
+          <a:fontRef idx="minor">
+            <a:schemeClr val="lt1"/>
+          </a:fontRef>
+        </p:style>
+        <p:txBody>
+          <a:bodyPr wrap="square" rtlCol="0" anchor="t"/>
+          <a:lstStyle/>
+          <a:p>
+            <a:r>
+              <a:rPr lang="en-US" altLang="zh-CN" sz="900" dirty="0"/>
+              <a:t>Mozilla</a:t>
+            </a:r>
+            <a:r>
+              <a:rPr lang="en-US" altLang="zh-CN" sz="900" dirty="0" smtClean="0"/>
+              <a:t>::</a:t>
+            </a:r>
+            <a:r>
+              <a:rPr lang="en-US" sz="900" dirty="0" smtClean="0"/>
+              <a:t>Dom</a:t>
+            </a:r>
+          </a:p>
+        </p:txBody>
+      </p:sp>
+      <p:sp>
+        <p:nvSpPr>
+          <p:cNvPr id="19" name="矩形 113"/>
+          <p:cNvSpPr/>
+          <p:nvPr/>
+        </p:nvSpPr>
+        <p:spPr>
+          <a:xfrm>
+            <a:off x="2631856" y="4831798"/>
+            <a:ext cx="908501" cy="549177"/>
+          </a:xfrm>
+          <a:prstGeom prst="rect">
+            <a:avLst/>
+          </a:prstGeom>
+          <a:solidFill>
+            <a:schemeClr val="accent6"/>
+          </a:solidFill>
+          <a:ln w="12700">
+            <a:solidFill>
+              <a:schemeClr val="bg1"/>
+            </a:solidFill>
+          </a:ln>
+          <a:effectLst>
+            <a:outerShdw blurRad="76200" dist="50800" dir="5400000" algn="ctr" rotWithShape="0">
+              <a:srgbClr val="000000">
+                <a:alpha val="27000"/>
+              </a:srgbClr>
+            </a:outerShdw>
+          </a:effectLst>
+        </p:spPr>
+        <p:style>
+          <a:lnRef idx="2">
+            <a:schemeClr val="accent1">
+              <a:shade val="50000"/>
+            </a:schemeClr>
+          </a:lnRef>
+          <a:fillRef idx="1">
+            <a:schemeClr val="accent1"/>
+          </a:fillRef>
+          <a:effectRef idx="0">
+            <a:schemeClr val="accent1"/>
+          </a:effectRef>
+          <a:fontRef idx="minor">
+            <a:schemeClr val="lt1"/>
+          </a:fontRef>
+        </p:style>
+        <p:txBody>
+          <a:bodyPr wrap="square" rtlCol="0" anchor="ctr"/>
+          <a:lstStyle/>
+          <a:p>
+            <a:pPr algn="ctr"/>
+            <a:r>
+              <a:rPr lang="en-US" altLang="zh-CN" sz="900" dirty="0" err="1" smtClean="0"/>
+              <a:t>DeviceInfo</a:t>
+            </a:r>
+            <a:endParaRPr lang="zh-CN" altLang="en-US" sz="900" dirty="0" smtClean="0"/>
+          </a:p>
+        </p:txBody>
+      </p:sp>
+      <p:sp>
+        <p:nvSpPr>
+          <p:cNvPr id="21" name="矩形 113"/>
+          <p:cNvSpPr/>
+          <p:nvPr/>
+        </p:nvSpPr>
+        <p:spPr>
+          <a:xfrm>
+            <a:off x="3928905" y="4793064"/>
+            <a:ext cx="4278811" cy="272698"/>
+          </a:xfrm>
+          <a:prstGeom prst="rect">
+            <a:avLst/>
+          </a:prstGeom>
+          <a:solidFill>
+            <a:schemeClr val="accent6"/>
+          </a:solidFill>
+          <a:ln w="12700">
+            <a:solidFill>
+              <a:schemeClr val="bg1"/>
+            </a:solidFill>
+          </a:ln>
+          <a:effectLst>
+            <a:outerShdw blurRad="76200" dist="50800" dir="5400000" algn="ctr" rotWithShape="0">
+              <a:srgbClr val="000000">
+                <a:alpha val="27000"/>
+              </a:srgbClr>
+            </a:outerShdw>
+          </a:effectLst>
+        </p:spPr>
+        <p:style>
+          <a:lnRef idx="2">
+            <a:schemeClr val="accent1">
+              <a:shade val="50000"/>
+            </a:schemeClr>
+          </a:lnRef>
+          <a:fillRef idx="1">
+            <a:schemeClr val="accent1"/>
+          </a:fillRef>
+          <a:effectRef idx="0">
+            <a:schemeClr val="accent1"/>
+          </a:effectRef>
+          <a:fontRef idx="minor">
+            <a:schemeClr val="lt1"/>
+          </a:fontRef>
+        </p:style>
+        <p:txBody>
+          <a:bodyPr wrap="square" rtlCol="0" anchor="ctr"/>
+          <a:lstStyle/>
+          <a:p>
+            <a:pPr algn="ctr"/>
+            <a:r>
+              <a:rPr lang="en-US" altLang="zh-CN" sz="900" dirty="0" smtClean="0"/>
+              <a:t>Bridge Video Capturer interface and Desktop Capturer Interface</a:t>
+            </a:r>
+            <a:endParaRPr lang="zh-CN" altLang="en-US" sz="900" dirty="0" smtClean="0"/>
+          </a:p>
+        </p:txBody>
+      </p:sp>
+      <p:sp>
+        <p:nvSpPr>
+          <p:cNvPr id="22" name="矩形 113"/>
+          <p:cNvSpPr/>
+          <p:nvPr/>
+        </p:nvSpPr>
+        <p:spPr>
+          <a:xfrm>
+            <a:off x="2124659" y="3840198"/>
+            <a:ext cx="4788000" cy="216000"/>
+          </a:xfrm>
+          <a:prstGeom prst="rect">
+            <a:avLst/>
+          </a:prstGeom>
+          <a:solidFill>
+            <a:schemeClr val="accent6"/>
+          </a:solidFill>
+          <a:ln w="12700">
+            <a:solidFill>
+              <a:schemeClr val="bg1"/>
+            </a:solidFill>
+          </a:ln>
+          <a:effectLst>
+            <a:outerShdw blurRad="76200" dist="50800" dir="5400000" algn="ctr" rotWithShape="0">
+              <a:srgbClr val="000000">
+                <a:alpha val="27000"/>
+              </a:srgbClr>
+            </a:outerShdw>
+          </a:effectLst>
+        </p:spPr>
+        <p:style>
+          <a:lnRef idx="2">
+            <a:schemeClr val="accent1">
+              <a:shade val="50000"/>
+            </a:schemeClr>
+          </a:lnRef>
+          <a:fillRef idx="1">
+            <a:schemeClr val="accent1"/>
+          </a:fillRef>
+          <a:effectRef idx="0">
+            <a:schemeClr val="accent1"/>
+          </a:effectRef>
+          <a:fontRef idx="minor">
+            <a:schemeClr val="lt1"/>
+          </a:fontRef>
+        </p:style>
+        <p:txBody>
+          <a:bodyPr wrap="square" rtlCol="0" anchor="ctr"/>
+          <a:lstStyle/>
+          <a:p>
+            <a:pPr algn="ctr"/>
+            <a:r>
+              <a:rPr lang="en-US" altLang="zh-CN" sz="900" dirty="0" err="1" smtClean="0"/>
+              <a:t>VideoEngineImpl</a:t>
+            </a:r>
+            <a:r>
+              <a:rPr lang="en-US" altLang="zh-CN" sz="900" dirty="0" smtClean="0"/>
+              <a:t> (</a:t>
+            </a:r>
+            <a:r>
+              <a:rPr lang="en-US" altLang="zh-CN" sz="900" dirty="0" err="1"/>
+              <a:t>VideoEngine</a:t>
+            </a:r>
+            <a:r>
+              <a:rPr lang="en-US" altLang="zh-CN" sz="900" dirty="0" smtClean="0"/>
+              <a:t>)</a:t>
+            </a:r>
+            <a:endParaRPr lang="zh-CN" altLang="en-US" sz="900" dirty="0" smtClean="0"/>
+          </a:p>
+        </p:txBody>
+      </p:sp>
+      <p:grpSp>
+        <p:nvGrpSpPr>
+          <p:cNvPr id="25" name="Group 24"/>
+          <p:cNvGrpSpPr/>
+          <p:nvPr/>
+        </p:nvGrpSpPr>
+        <p:grpSpPr>
+          <a:xfrm>
+            <a:off x="4244186" y="5355814"/>
+            <a:ext cx="1810140" cy="553998"/>
+            <a:chOff x="2020189" y="5951039"/>
+            <a:chExt cx="1816815" cy="553998"/>
+          </a:xfrm>
+        </p:grpSpPr>
+        <p:sp>
+          <p:nvSpPr>
+            <p:cNvPr id="26" name="Curved Left Arrow 25"/>
+            <p:cNvSpPr/>
+            <p:nvPr/>
+          </p:nvSpPr>
+          <p:spPr>
+            <a:xfrm>
+              <a:off x="2020189" y="5984201"/>
+              <a:ext cx="319179" cy="428527"/>
+            </a:xfrm>
+            <a:prstGeom prst="curvedLeftArrow">
+              <a:avLst/>
+            </a:prstGeom>
+            <a:solidFill>
+              <a:srgbClr val="0096D6"/>
+            </a:solidFill>
+            <a:ln>
+              <a:noFill/>
+            </a:ln>
+            <a:effectLst>
+              <a:outerShdw blurRad="76200" dist="50800" dir="5400000" algn="ctr" rotWithShape="0">
+                <a:srgbClr val="000000">
+                  <a:alpha val="27000"/>
+                </a:srgbClr>
+              </a:outerShdw>
+            </a:effectLst>
+          </p:spPr>
+          <p:style>
+            <a:lnRef idx="2">
+              <a:schemeClr val="accent1">
+                <a:shade val="50000"/>
+              </a:schemeClr>
+            </a:lnRef>
+            <a:fillRef idx="1">
+              <a:schemeClr val="accent1"/>
+            </a:fillRef>
+            <a:effectRef idx="0">
+              <a:schemeClr val="accent1"/>
+            </a:effectRef>
+            <a:fontRef idx="minor">
+              <a:schemeClr val="lt1"/>
+            </a:fontRef>
+          </p:style>
+          <p:txBody>
+            <a:bodyPr wrap="square" rtlCol="0" anchor="ctr"/>
+            <a:lstStyle/>
+            <a:p>
+              <a:pPr algn="ctr"/>
+              <a:endParaRPr lang="zh-CN" altLang="en-US" dirty="0" smtClean="0">
+                <a:solidFill>
+                  <a:schemeClr val="tx1"/>
+                </a:solidFill>
+              </a:endParaRPr>
+            </a:p>
+          </p:txBody>
+        </p:sp>
+        <p:sp>
+          <p:nvSpPr>
+            <p:cNvPr id="27" name="TextBox 26"/>
+            <p:cNvSpPr txBox="1"/>
+            <p:nvPr/>
+          </p:nvSpPr>
+          <p:spPr>
+            <a:xfrm>
+              <a:off x="2403532" y="5951039"/>
+              <a:ext cx="1433472" cy="553998"/>
+            </a:xfrm>
+            <a:prstGeom prst="rect">
+              <a:avLst/>
+            </a:prstGeom>
+            <a:noFill/>
+          </p:spPr>
+          <p:txBody>
+            <a:bodyPr wrap="square" rtlCol="0">
+              <a:spAutoFit/>
+            </a:bodyPr>
+            <a:lstStyle/>
+            <a:p>
+              <a:r>
+                <a:rPr lang="en-US" altLang="zh-CN" sz="1000" dirty="0" smtClean="0"/>
+                <a:t>Screen </a:t>
+              </a:r>
+            </a:p>
+            <a:p>
+              <a:r>
+                <a:rPr lang="en-US" altLang="zh-CN" sz="1000" dirty="0" smtClean="0"/>
+                <a:t>Capture </a:t>
+              </a:r>
+            </a:p>
+            <a:p>
+              <a:r>
+                <a:rPr lang="en-US" altLang="zh-CN" sz="1000" dirty="0" smtClean="0"/>
+                <a:t>Thread</a:t>
+              </a:r>
+              <a:endParaRPr lang="zh-CN" altLang="en-US" sz="1000" dirty="0"/>
+            </a:p>
+          </p:txBody>
+        </p:sp>
+      </p:grpSp>
+      <p:sp>
+        <p:nvSpPr>
+          <p:cNvPr id="28" name="矩形 113"/>
+          <p:cNvSpPr/>
+          <p:nvPr/>
+        </p:nvSpPr>
+        <p:spPr>
+          <a:xfrm>
+            <a:off x="6912659" y="5245815"/>
+            <a:ext cx="1295057" cy="518191"/>
+          </a:xfrm>
+          <a:prstGeom prst="rect">
+            <a:avLst/>
+          </a:prstGeom>
+          <a:solidFill>
+            <a:schemeClr val="accent6"/>
+          </a:solidFill>
+          <a:ln w="12700">
+            <a:solidFill>
+              <a:schemeClr val="bg1"/>
+            </a:solidFill>
+          </a:ln>
+          <a:effectLst>
+            <a:outerShdw blurRad="76200" dist="50800" dir="5400000" algn="ctr" rotWithShape="0">
+              <a:srgbClr val="000000">
+                <a:alpha val="27000"/>
+              </a:srgbClr>
+            </a:outerShdw>
+          </a:effectLst>
+        </p:spPr>
+        <p:style>
+          <a:lnRef idx="2">
+            <a:schemeClr val="accent1">
+              <a:shade val="50000"/>
+            </a:schemeClr>
+          </a:lnRef>
+          <a:fillRef idx="1">
+            <a:schemeClr val="accent1"/>
+          </a:fillRef>
+          <a:effectRef idx="0">
+            <a:schemeClr val="accent1"/>
+          </a:effectRef>
+          <a:fontRef idx="minor">
+            <a:schemeClr val="lt1"/>
+          </a:fontRef>
+        </p:style>
+        <p:txBody>
+          <a:bodyPr wrap="square" rtlCol="0" anchor="ctr"/>
+          <a:lstStyle/>
+          <a:p>
+            <a:pPr algn="ctr"/>
+            <a:r>
+              <a:rPr lang="en-US" altLang="zh-CN" sz="900" dirty="0" smtClean="0"/>
+              <a:t>Screen Source Info</a:t>
+            </a:r>
+            <a:endParaRPr lang="zh-CN" altLang="en-US" sz="900" dirty="0" smtClean="0"/>
+          </a:p>
+        </p:txBody>
+      </p:sp>
+      <p:sp>
+        <p:nvSpPr>
+          <p:cNvPr id="34" name="矩形 113"/>
+          <p:cNvSpPr/>
+          <p:nvPr/>
+        </p:nvSpPr>
+        <p:spPr>
+          <a:xfrm>
+            <a:off x="2124659" y="4383716"/>
+            <a:ext cx="4801731" cy="216000"/>
+          </a:xfrm>
+          <a:prstGeom prst="rect">
+            <a:avLst/>
+          </a:prstGeom>
+          <a:solidFill>
+            <a:schemeClr val="accent6"/>
+          </a:solidFill>
+          <a:ln w="12700">
+            <a:solidFill>
+              <a:schemeClr val="bg1"/>
+            </a:solidFill>
+          </a:ln>
+          <a:effectLst>
+            <a:outerShdw blurRad="76200" dist="50800" dir="5400000" algn="ctr" rotWithShape="0">
+              <a:srgbClr val="000000">
+                <a:alpha val="27000"/>
+              </a:srgbClr>
+            </a:outerShdw>
+          </a:effectLst>
+        </p:spPr>
+        <p:style>
+          <a:lnRef idx="2">
+            <a:schemeClr val="accent1">
+              <a:shade val="50000"/>
+            </a:schemeClr>
+          </a:lnRef>
+          <a:fillRef idx="1">
+            <a:schemeClr val="accent1"/>
+          </a:fillRef>
+          <a:effectRef idx="0">
+            <a:schemeClr val="accent1"/>
+          </a:effectRef>
+          <a:fontRef idx="minor">
+            <a:schemeClr val="lt1"/>
+          </a:fontRef>
+        </p:style>
+        <p:txBody>
+          <a:bodyPr wrap="square" rtlCol="0" anchor="ctr"/>
+          <a:lstStyle/>
+          <a:p>
+            <a:pPr algn="ctr"/>
+            <a:r>
+              <a:rPr lang="en-US" altLang="zh-CN" sz="900" dirty="0" err="1"/>
+              <a:t>ViECapturer</a:t>
+            </a:r>
+            <a:endParaRPr lang="zh-CN" altLang="en-US" sz="900" dirty="0" smtClean="0"/>
+          </a:p>
+        </p:txBody>
+      </p:sp>
+      <p:sp>
+        <p:nvSpPr>
+          <p:cNvPr id="45" name="矩形 113"/>
+          <p:cNvSpPr/>
+          <p:nvPr/>
+        </p:nvSpPr>
+        <p:spPr>
+          <a:xfrm>
+            <a:off x="1567543" y="4831798"/>
+            <a:ext cx="984737" cy="549177"/>
+          </a:xfrm>
+          <a:prstGeom prst="rect">
+            <a:avLst/>
+          </a:prstGeom>
+          <a:solidFill>
+            <a:schemeClr val="accent6"/>
+          </a:solidFill>
+          <a:ln w="12700">
+            <a:solidFill>
+              <a:schemeClr val="bg1"/>
+            </a:solidFill>
+          </a:ln>
+          <a:effectLst>
+            <a:outerShdw blurRad="76200" dist="50800" dir="5400000" algn="ctr" rotWithShape="0">
+              <a:srgbClr val="000000">
+                <a:alpha val="27000"/>
+              </a:srgbClr>
+            </a:outerShdw>
+          </a:effectLst>
+        </p:spPr>
+        <p:style>
+          <a:lnRef idx="2">
+            <a:schemeClr val="accent1">
+              <a:shade val="50000"/>
+            </a:schemeClr>
+          </a:lnRef>
+          <a:fillRef idx="1">
+            <a:schemeClr val="accent1"/>
+          </a:fillRef>
+          <a:effectRef idx="0">
+            <a:schemeClr val="accent1"/>
+          </a:effectRef>
+          <a:fontRef idx="minor">
+            <a:schemeClr val="lt1"/>
+          </a:fontRef>
+        </p:style>
+        <p:txBody>
+          <a:bodyPr wrap="square" rtlCol="0" anchor="ctr"/>
+          <a:lstStyle/>
+          <a:p>
+            <a:pPr algn="ctr"/>
+            <a:r>
+              <a:rPr lang="en-US" altLang="zh-CN" sz="900" dirty="0" err="1" smtClean="0"/>
+              <a:t>VideoCapturer</a:t>
+            </a:r>
+            <a:endParaRPr lang="zh-CN" altLang="en-US" sz="900" dirty="0" smtClean="0"/>
+          </a:p>
+        </p:txBody>
+      </p:sp>
+      <p:grpSp>
+        <p:nvGrpSpPr>
+          <p:cNvPr id="51" name="Group 50"/>
+          <p:cNvGrpSpPr/>
+          <p:nvPr/>
+        </p:nvGrpSpPr>
+        <p:grpSpPr>
+          <a:xfrm>
+            <a:off x="853198" y="5326240"/>
+            <a:ext cx="1931458" cy="553998"/>
+            <a:chOff x="2020189" y="5951039"/>
+            <a:chExt cx="1938580" cy="553998"/>
+          </a:xfrm>
+        </p:grpSpPr>
+        <p:sp>
+          <p:nvSpPr>
+            <p:cNvPr id="52" name="Curved Left Arrow 51"/>
+            <p:cNvSpPr/>
+            <p:nvPr/>
+          </p:nvSpPr>
+          <p:spPr>
+            <a:xfrm>
+              <a:off x="2020189" y="5984201"/>
+              <a:ext cx="319179" cy="428527"/>
+            </a:xfrm>
+            <a:prstGeom prst="curvedLeftArrow">
+              <a:avLst/>
+            </a:prstGeom>
+            <a:solidFill>
+              <a:srgbClr val="0096D6"/>
+            </a:solidFill>
+            <a:ln>
+              <a:noFill/>
+            </a:ln>
+            <a:effectLst>
+              <a:outerShdw blurRad="76200" dist="50800" dir="5400000" algn="ctr" rotWithShape="0">
+                <a:srgbClr val="000000">
+                  <a:alpha val="27000"/>
+                </a:srgbClr>
+              </a:outerShdw>
+            </a:effectLst>
+          </p:spPr>
+          <p:style>
+            <a:lnRef idx="2">
+              <a:schemeClr val="accent1">
+                <a:shade val="50000"/>
+              </a:schemeClr>
+            </a:lnRef>
+            <a:fillRef idx="1">
+              <a:schemeClr val="accent1"/>
+            </a:fillRef>
+            <a:effectRef idx="0">
+              <a:schemeClr val="accent1"/>
+            </a:effectRef>
+            <a:fontRef idx="minor">
+              <a:schemeClr val="lt1"/>
+            </a:fontRef>
+          </p:style>
+          <p:txBody>
+            <a:bodyPr wrap="square" rtlCol="0" anchor="ctr"/>
+            <a:lstStyle/>
+            <a:p>
+              <a:pPr algn="ctr"/>
+              <a:endParaRPr lang="zh-CN" altLang="en-US" dirty="0" smtClean="0">
+                <a:solidFill>
+                  <a:schemeClr val="tx1"/>
+                </a:solidFill>
+              </a:endParaRPr>
+            </a:p>
+          </p:txBody>
+        </p:sp>
+        <p:sp>
+          <p:nvSpPr>
+            <p:cNvPr id="53" name="TextBox 52"/>
+            <p:cNvSpPr txBox="1"/>
+            <p:nvPr/>
+          </p:nvSpPr>
+          <p:spPr>
+            <a:xfrm>
+              <a:off x="2353106" y="5951039"/>
+              <a:ext cx="1605663" cy="553998"/>
+            </a:xfrm>
+            <a:prstGeom prst="rect">
+              <a:avLst/>
+            </a:prstGeom>
+            <a:noFill/>
+          </p:spPr>
+          <p:txBody>
+            <a:bodyPr wrap="square" rtlCol="0">
+              <a:spAutoFit/>
+            </a:bodyPr>
+            <a:lstStyle/>
+            <a:p>
+              <a:r>
+                <a:rPr lang="en-US" altLang="zh-CN" sz="1000" dirty="0" smtClean="0"/>
+                <a:t>System</a:t>
+              </a:r>
+            </a:p>
+            <a:p>
+              <a:r>
+                <a:rPr lang="en-US" altLang="zh-CN" sz="1000" dirty="0" smtClean="0"/>
+                <a:t>Capture</a:t>
+              </a:r>
+            </a:p>
+            <a:p>
+              <a:r>
+                <a:rPr lang="en-US" altLang="zh-CN" sz="1000" dirty="0" smtClean="0"/>
+                <a:t>Thread</a:t>
+              </a:r>
+              <a:endParaRPr lang="zh-CN" altLang="en-US" sz="1000" dirty="0"/>
+            </a:p>
+          </p:txBody>
+        </p:sp>
+      </p:grpSp>
+      <p:sp>
+        <p:nvSpPr>
+          <p:cNvPr id="66" name="矩形 113"/>
+          <p:cNvSpPr/>
+          <p:nvPr/>
+        </p:nvSpPr>
+        <p:spPr>
+          <a:xfrm>
+            <a:off x="2124659" y="4116486"/>
+            <a:ext cx="4788000" cy="200078"/>
+          </a:xfrm>
+          <a:prstGeom prst="rect">
+            <a:avLst/>
+          </a:prstGeom>
+          <a:solidFill>
+            <a:schemeClr val="accent6"/>
+          </a:solidFill>
+          <a:ln w="12700">
+            <a:solidFill>
+              <a:schemeClr val="bg1"/>
+            </a:solidFill>
+          </a:ln>
+          <a:effectLst>
+            <a:outerShdw blurRad="76200" dist="50800" dir="5400000" algn="ctr" rotWithShape="0">
+              <a:srgbClr val="000000">
+                <a:alpha val="27000"/>
+              </a:srgbClr>
+            </a:outerShdw>
+          </a:effectLst>
+        </p:spPr>
+        <p:style>
+          <a:lnRef idx="2">
+            <a:schemeClr val="accent1">
+              <a:shade val="50000"/>
+            </a:schemeClr>
+          </a:lnRef>
+          <a:fillRef idx="1">
+            <a:schemeClr val="accent1"/>
+          </a:fillRef>
+          <a:effectRef idx="0">
+            <a:schemeClr val="accent1"/>
+          </a:effectRef>
+          <a:fontRef idx="minor">
+            <a:schemeClr val="lt1"/>
+          </a:fontRef>
+        </p:style>
+        <p:txBody>
+          <a:bodyPr wrap="square" rtlCol="0" anchor="ctr"/>
+          <a:lstStyle/>
+          <a:p>
+            <a:pPr algn="ctr"/>
+            <a:r>
+              <a:rPr lang="en-US" altLang="zh-CN" sz="900" dirty="0" err="1"/>
+              <a:t>ViECaptureImpl</a:t>
+            </a:r>
+            <a:endParaRPr lang="zh-CN" altLang="en-US" sz="900" dirty="0" smtClean="0"/>
+          </a:p>
+        </p:txBody>
+      </p:sp>
+      <p:sp>
+        <p:nvSpPr>
+          <p:cNvPr id="67" name="矩形 113"/>
+          <p:cNvSpPr/>
+          <p:nvPr/>
+        </p:nvSpPr>
+        <p:spPr>
+          <a:xfrm>
+            <a:off x="5845443" y="1536177"/>
+            <a:ext cx="900000" cy="216000"/>
+          </a:xfrm>
+          <a:prstGeom prst="rect">
+            <a:avLst/>
+          </a:prstGeom>
+          <a:solidFill>
+            <a:schemeClr val="tx1"/>
+          </a:solidFill>
+          <a:ln w="12700">
+            <a:solidFill>
+              <a:schemeClr val="bg1"/>
+            </a:solidFill>
+          </a:ln>
+          <a:effectLst>
+            <a:outerShdw blurRad="76200" dist="50800" dir="5400000" algn="ctr" rotWithShape="0">
+              <a:srgbClr val="000000">
+                <a:alpha val="27000"/>
+              </a:srgbClr>
+            </a:outerShdw>
+          </a:effectLst>
+        </p:spPr>
+        <p:style>
+          <a:lnRef idx="2">
+            <a:schemeClr val="accent1">
+              <a:shade val="50000"/>
+            </a:schemeClr>
+          </a:lnRef>
+          <a:fillRef idx="1">
+            <a:schemeClr val="accent1"/>
+          </a:fillRef>
+          <a:effectRef idx="0">
+            <a:schemeClr val="accent1"/>
+          </a:effectRef>
+          <a:fontRef idx="minor">
+            <a:schemeClr val="lt1"/>
+          </a:fontRef>
+        </p:style>
+        <p:txBody>
+          <a:bodyPr wrap="square" rtlCol="0" anchor="ctr"/>
+          <a:lstStyle/>
+          <a:p>
+            <a:pPr algn="ctr"/>
+            <a:r>
+              <a:rPr lang="en-US" altLang="zh-CN" sz="900" dirty="0" smtClean="0"/>
+              <a:t>WebRTC-GUI</a:t>
+            </a:r>
+            <a:endParaRPr lang="zh-CN" altLang="en-US" sz="900" dirty="0" smtClean="0"/>
+          </a:p>
+        </p:txBody>
+      </p:sp>
+      <p:sp>
+        <p:nvSpPr>
+          <p:cNvPr id="68" name="矩形 113"/>
+          <p:cNvSpPr/>
+          <p:nvPr/>
+        </p:nvSpPr>
+        <p:spPr>
+          <a:xfrm>
+            <a:off x="3086106" y="1511790"/>
+            <a:ext cx="2368219" cy="216000"/>
+          </a:xfrm>
+          <a:prstGeom prst="rect">
+            <a:avLst/>
+          </a:prstGeom>
+          <a:solidFill>
+            <a:schemeClr val="tx1"/>
+          </a:solidFill>
+          <a:ln w="12700">
+            <a:solidFill>
+              <a:schemeClr val="bg1"/>
+            </a:solidFill>
+          </a:ln>
+          <a:effectLst>
+            <a:outerShdw blurRad="76200" dist="50800" dir="5400000" algn="ctr" rotWithShape="0">
+              <a:srgbClr val="000000">
+                <a:alpha val="27000"/>
+              </a:srgbClr>
+            </a:outerShdw>
+          </a:effectLst>
+        </p:spPr>
+        <p:style>
+          <a:lnRef idx="2">
+            <a:schemeClr val="accent1">
+              <a:shade val="50000"/>
+            </a:schemeClr>
+          </a:lnRef>
+          <a:fillRef idx="1">
+            <a:schemeClr val="accent1"/>
+          </a:fillRef>
+          <a:effectRef idx="0">
+            <a:schemeClr val="accent1"/>
+          </a:effectRef>
+          <a:fontRef idx="minor">
+            <a:schemeClr val="lt1"/>
+          </a:fontRef>
+        </p:style>
+        <p:txBody>
+          <a:bodyPr wrap="square" rtlCol="0" anchor="ctr"/>
+          <a:lstStyle/>
+          <a:p>
+            <a:pPr algn="ctr"/>
+            <a:r>
+              <a:rPr lang="en-US" altLang="zh-CN" sz="900" dirty="0" smtClean="0"/>
+              <a:t>WebRTC JS API</a:t>
+            </a:r>
+            <a:endParaRPr lang="zh-CN" altLang="en-US" sz="900" dirty="0" smtClean="0"/>
+          </a:p>
+        </p:txBody>
+      </p:sp>
+      <p:sp>
+        <p:nvSpPr>
+          <p:cNvPr id="69" name="矩形 113"/>
+          <p:cNvSpPr/>
+          <p:nvPr/>
+        </p:nvSpPr>
+        <p:spPr>
+          <a:xfrm>
+            <a:off x="3086107" y="2053697"/>
+            <a:ext cx="2368218" cy="216000"/>
+          </a:xfrm>
+          <a:prstGeom prst="rect">
+            <a:avLst/>
+          </a:prstGeom>
+          <a:solidFill>
+            <a:schemeClr val="accent6"/>
+          </a:solidFill>
+          <a:ln w="12700">
+            <a:solidFill>
+              <a:schemeClr val="bg1"/>
+            </a:solidFill>
+          </a:ln>
+          <a:effectLst>
+            <a:outerShdw blurRad="76200" dist="50800" dir="5400000" algn="ctr" rotWithShape="0">
+              <a:srgbClr val="000000">
+                <a:alpha val="27000"/>
+              </a:srgbClr>
+            </a:outerShdw>
+          </a:effectLst>
+        </p:spPr>
+        <p:style>
+          <a:lnRef idx="2">
+            <a:schemeClr val="accent1">
+              <a:shade val="50000"/>
+            </a:schemeClr>
+          </a:lnRef>
+          <a:fillRef idx="1">
+            <a:schemeClr val="accent1"/>
+          </a:fillRef>
+          <a:effectRef idx="0">
+            <a:schemeClr val="accent1"/>
+          </a:effectRef>
+          <a:fontRef idx="minor">
+            <a:schemeClr val="lt1"/>
+          </a:fontRef>
+        </p:style>
+        <p:txBody>
+          <a:bodyPr wrap="square" rtlCol="0" anchor="ctr"/>
+          <a:lstStyle/>
+          <a:p>
+            <a:pPr algn="ctr"/>
+            <a:r>
+              <a:rPr lang="en-US" altLang="zh-CN" sz="900" dirty="0" smtClean="0"/>
+              <a:t>Navigator</a:t>
+            </a:r>
+            <a:endParaRPr lang="zh-CN" altLang="en-US" sz="900" dirty="0" smtClean="0"/>
+          </a:p>
+        </p:txBody>
+      </p:sp>
+      <p:sp>
+        <p:nvSpPr>
+          <p:cNvPr id="70" name="矩形 113"/>
+          <p:cNvSpPr/>
+          <p:nvPr/>
+        </p:nvSpPr>
+        <p:spPr>
+          <a:xfrm>
+            <a:off x="3086106" y="2330543"/>
+            <a:ext cx="2368219" cy="216000"/>
+          </a:xfrm>
+          <a:prstGeom prst="rect">
+            <a:avLst/>
+          </a:prstGeom>
+          <a:solidFill>
+            <a:schemeClr val="accent6"/>
+          </a:solidFill>
+          <a:ln w="12700">
+            <a:solidFill>
+              <a:schemeClr val="bg1"/>
+            </a:solidFill>
+          </a:ln>
+          <a:effectLst>
+            <a:outerShdw blurRad="76200" dist="50800" dir="5400000" algn="ctr" rotWithShape="0">
+              <a:srgbClr val="000000">
+                <a:alpha val="27000"/>
+              </a:srgbClr>
+            </a:outerShdw>
+          </a:effectLst>
+        </p:spPr>
+        <p:style>
+          <a:lnRef idx="2">
+            <a:schemeClr val="accent1">
+              <a:shade val="50000"/>
+            </a:schemeClr>
+          </a:lnRef>
+          <a:fillRef idx="1">
+            <a:schemeClr val="accent1"/>
+          </a:fillRef>
+          <a:effectRef idx="0">
+            <a:schemeClr val="accent1"/>
+          </a:effectRef>
+          <a:fontRef idx="minor">
+            <a:schemeClr val="lt1"/>
+          </a:fontRef>
+        </p:style>
+        <p:txBody>
+          <a:bodyPr wrap="square" rtlCol="0" anchor="ctr"/>
+          <a:lstStyle/>
+          <a:p>
+            <a:pPr algn="ctr"/>
+            <a:r>
+              <a:rPr lang="en-US" altLang="zh-CN" sz="900" dirty="0" err="1" smtClean="0"/>
+              <a:t>MediaManager</a:t>
+            </a:r>
+            <a:endParaRPr lang="zh-CN" altLang="en-US" sz="900" dirty="0" smtClean="0"/>
+          </a:p>
+        </p:txBody>
+      </p:sp>
+      <p:sp>
+        <p:nvSpPr>
+          <p:cNvPr id="71" name="矩形 113"/>
+          <p:cNvSpPr/>
+          <p:nvPr/>
+        </p:nvSpPr>
+        <p:spPr>
+          <a:xfrm>
+            <a:off x="3086107" y="2892506"/>
+            <a:ext cx="2368219" cy="216000"/>
+          </a:xfrm>
+          <a:prstGeom prst="rect">
+            <a:avLst/>
+          </a:prstGeom>
+          <a:solidFill>
+            <a:schemeClr val="accent6"/>
+          </a:solidFill>
+          <a:ln w="12700">
+            <a:solidFill>
+              <a:schemeClr val="bg1"/>
+            </a:solidFill>
+          </a:ln>
+          <a:effectLst>
+            <a:outerShdw blurRad="76200" dist="50800" dir="5400000" algn="ctr" rotWithShape="0">
+              <a:srgbClr val="000000">
+                <a:alpha val="27000"/>
+              </a:srgbClr>
+            </a:outerShdw>
+          </a:effectLst>
+        </p:spPr>
+        <p:style>
+          <a:lnRef idx="2">
+            <a:schemeClr val="accent1">
+              <a:shade val="50000"/>
+            </a:schemeClr>
+          </a:lnRef>
+          <a:fillRef idx="1">
+            <a:schemeClr val="accent1"/>
+          </a:fillRef>
+          <a:effectRef idx="0">
+            <a:schemeClr val="accent1"/>
+          </a:effectRef>
+          <a:fontRef idx="minor">
+            <a:schemeClr val="lt1"/>
+          </a:fontRef>
+        </p:style>
+        <p:txBody>
+          <a:bodyPr wrap="square" rtlCol="0" anchor="ctr"/>
+          <a:lstStyle/>
+          <a:p>
+            <a:pPr algn="ctr"/>
+            <a:r>
+              <a:rPr lang="en-US" altLang="zh-CN" sz="900" dirty="0" err="1" smtClean="0"/>
+              <a:t>MediaEngineWebRTC</a:t>
+            </a:r>
+            <a:endParaRPr lang="zh-CN" altLang="en-US" sz="900" dirty="0" smtClean="0"/>
+          </a:p>
+        </p:txBody>
+      </p:sp>
+      <p:sp>
+        <p:nvSpPr>
+          <p:cNvPr id="72" name="矩形 113"/>
+          <p:cNvSpPr/>
+          <p:nvPr/>
+        </p:nvSpPr>
+        <p:spPr>
+          <a:xfrm>
+            <a:off x="3086107" y="3172641"/>
+            <a:ext cx="2368219" cy="216000"/>
+          </a:xfrm>
+          <a:prstGeom prst="rect">
+            <a:avLst/>
+          </a:prstGeom>
+          <a:solidFill>
+            <a:schemeClr val="accent6"/>
+          </a:solidFill>
+          <a:ln w="12700">
+            <a:solidFill>
+              <a:schemeClr val="bg1"/>
+            </a:solidFill>
+          </a:ln>
+          <a:effectLst>
+            <a:outerShdw blurRad="76200" dist="50800" dir="5400000" algn="ctr" rotWithShape="0">
+              <a:srgbClr val="000000">
+                <a:alpha val="27000"/>
+              </a:srgbClr>
+            </a:outerShdw>
+          </a:effectLst>
+        </p:spPr>
+        <p:style>
+          <a:lnRef idx="2">
+            <a:schemeClr val="accent1">
+              <a:shade val="50000"/>
+            </a:schemeClr>
+          </a:lnRef>
+          <a:fillRef idx="1">
+            <a:schemeClr val="accent1"/>
+          </a:fillRef>
+          <a:effectRef idx="0">
+            <a:schemeClr val="accent1"/>
+          </a:effectRef>
+          <a:fontRef idx="minor">
+            <a:schemeClr val="lt1"/>
+          </a:fontRef>
+        </p:style>
+        <p:txBody>
+          <a:bodyPr wrap="square" rtlCol="0" anchor="ctr"/>
+          <a:lstStyle/>
+          <a:p>
+            <a:pPr algn="ctr"/>
+            <a:r>
+              <a:rPr lang="en-US" altLang="zh-CN" sz="900" dirty="0" err="1" smtClean="0"/>
+              <a:t>MediaEngineWebRTCScreenSource</a:t>
+            </a:r>
+            <a:endParaRPr lang="zh-CN" altLang="en-US" sz="900" dirty="0" smtClean="0"/>
+          </a:p>
+        </p:txBody>
+      </p:sp>
+      <p:sp>
+        <p:nvSpPr>
+          <p:cNvPr id="73" name="矩形 113"/>
+          <p:cNvSpPr/>
+          <p:nvPr/>
+        </p:nvSpPr>
+        <p:spPr>
+          <a:xfrm>
+            <a:off x="482326" y="5950018"/>
+            <a:ext cx="2520000" cy="288000"/>
+          </a:xfrm>
+          <a:prstGeom prst="rect">
+            <a:avLst/>
+          </a:prstGeom>
+          <a:solidFill>
+            <a:schemeClr val="accent4"/>
+          </a:solidFill>
+          <a:ln w="12700">
+            <a:solidFill>
+              <a:schemeClr val="bg1"/>
+            </a:solidFill>
+          </a:ln>
+          <a:effectLst>
+            <a:outerShdw blurRad="76200" dist="50800" dir="5400000" algn="ctr" rotWithShape="0">
+              <a:srgbClr val="000000">
+                <a:alpha val="27000"/>
+              </a:srgbClr>
+            </a:outerShdw>
+          </a:effectLst>
+        </p:spPr>
+        <p:style>
+          <a:lnRef idx="2">
+            <a:schemeClr val="accent1">
+              <a:shade val="50000"/>
+            </a:schemeClr>
+          </a:lnRef>
+          <a:fillRef idx="1">
+            <a:schemeClr val="accent1"/>
+          </a:fillRef>
+          <a:effectRef idx="0">
+            <a:schemeClr val="accent1"/>
+          </a:effectRef>
+          <a:fontRef idx="minor">
+            <a:schemeClr val="lt1"/>
+          </a:fontRef>
+        </p:style>
+        <p:txBody>
+          <a:bodyPr wrap="square" rtlCol="0" anchor="ctr"/>
+          <a:lstStyle/>
+          <a:p>
+            <a:pPr algn="ctr"/>
+            <a:r>
+              <a:rPr lang="en-US" altLang="zh-CN" sz="900" dirty="0" err="1" smtClean="0"/>
+              <a:t>Winodws</a:t>
+            </a:r>
+            <a:endParaRPr lang="zh-CN" altLang="en-US" sz="900" dirty="0" smtClean="0"/>
+          </a:p>
+        </p:txBody>
+      </p:sp>
+      <p:sp>
+        <p:nvSpPr>
+          <p:cNvPr id="74" name="矩形 113"/>
+          <p:cNvSpPr/>
+          <p:nvPr/>
+        </p:nvSpPr>
+        <p:spPr>
+          <a:xfrm>
+            <a:off x="3145133" y="5950018"/>
+            <a:ext cx="2520000" cy="288000"/>
+          </a:xfrm>
+          <a:prstGeom prst="rect">
+            <a:avLst/>
+          </a:prstGeom>
+          <a:solidFill>
+            <a:schemeClr val="accent4"/>
+          </a:solidFill>
+          <a:ln w="12700">
+            <a:solidFill>
+              <a:schemeClr val="bg1"/>
+            </a:solidFill>
+          </a:ln>
+          <a:effectLst>
+            <a:outerShdw blurRad="76200" dist="50800" dir="5400000" algn="ctr" rotWithShape="0">
+              <a:srgbClr val="000000">
+                <a:alpha val="27000"/>
+              </a:srgbClr>
+            </a:outerShdw>
+          </a:effectLst>
+        </p:spPr>
+        <p:style>
+          <a:lnRef idx="2">
+            <a:schemeClr val="accent1">
+              <a:shade val="50000"/>
+            </a:schemeClr>
+          </a:lnRef>
+          <a:fillRef idx="1">
+            <a:schemeClr val="accent1"/>
+          </a:fillRef>
+          <a:effectRef idx="0">
+            <a:schemeClr val="accent1"/>
+          </a:effectRef>
+          <a:fontRef idx="minor">
+            <a:schemeClr val="lt1"/>
+          </a:fontRef>
+        </p:style>
+        <p:txBody>
+          <a:bodyPr wrap="square" rtlCol="0" anchor="ctr"/>
+          <a:lstStyle/>
+          <a:p>
+            <a:pPr algn="ctr"/>
+            <a:r>
+              <a:rPr lang="en-US" altLang="zh-CN" sz="900" dirty="0" smtClean="0"/>
+              <a:t>Mac OSX</a:t>
+            </a:r>
+            <a:endParaRPr lang="zh-CN" altLang="en-US" sz="900" dirty="0" smtClean="0"/>
+          </a:p>
+        </p:txBody>
+      </p:sp>
+      <p:sp>
+        <p:nvSpPr>
+          <p:cNvPr id="75" name="矩形 113"/>
+          <p:cNvSpPr/>
+          <p:nvPr/>
+        </p:nvSpPr>
+        <p:spPr>
+          <a:xfrm>
+            <a:off x="5807940" y="5950018"/>
+            <a:ext cx="2520000" cy="288000"/>
+          </a:xfrm>
+          <a:prstGeom prst="rect">
+            <a:avLst/>
+          </a:prstGeom>
+          <a:solidFill>
+            <a:schemeClr val="accent4"/>
+          </a:solidFill>
+          <a:ln w="12700">
+            <a:solidFill>
+              <a:schemeClr val="bg1"/>
+            </a:solidFill>
+          </a:ln>
+          <a:effectLst>
+            <a:outerShdw blurRad="76200" dist="50800" dir="5400000" algn="ctr" rotWithShape="0">
+              <a:srgbClr val="000000">
+                <a:alpha val="27000"/>
+              </a:srgbClr>
+            </a:outerShdw>
+          </a:effectLst>
+        </p:spPr>
+        <p:style>
+          <a:lnRef idx="2">
+            <a:schemeClr val="accent1">
+              <a:shade val="50000"/>
+            </a:schemeClr>
+          </a:lnRef>
+          <a:fillRef idx="1">
+            <a:schemeClr val="accent1"/>
+          </a:fillRef>
+          <a:effectRef idx="0">
+            <a:schemeClr val="accent1"/>
+          </a:effectRef>
+          <a:fontRef idx="minor">
+            <a:schemeClr val="lt1"/>
+          </a:fontRef>
+        </p:style>
+        <p:txBody>
+          <a:bodyPr wrap="square" rtlCol="0" anchor="ctr"/>
+          <a:lstStyle/>
+          <a:p>
+            <a:pPr algn="ctr"/>
+            <a:r>
+              <a:rPr lang="en-US" altLang="zh-CN" sz="900" dirty="0" smtClean="0"/>
+              <a:t>Linux</a:t>
+            </a:r>
+            <a:endParaRPr lang="zh-CN" altLang="en-US" sz="900" dirty="0" smtClean="0"/>
+          </a:p>
+        </p:txBody>
+      </p:sp>
+      <p:sp>
+        <p:nvSpPr>
+          <p:cNvPr id="36" name="Rectangle 35"/>
+          <p:cNvSpPr/>
+          <p:nvPr/>
+        </p:nvSpPr>
+        <p:spPr>
+          <a:xfrm>
+            <a:off x="229374" y="3525169"/>
+            <a:ext cx="8276374" cy="1195418"/>
+          </a:xfrm>
+          <a:prstGeom prst="rect">
+            <a:avLst/>
+          </a:prstGeom>
+          <a:solidFill>
+            <a:srgbClr val="0096D6">
+              <a:alpha val="33000"/>
+            </a:srgbClr>
+          </a:solidFill>
+          <a:ln>
+            <a:noFill/>
+          </a:ln>
+          <a:effectLst>
+            <a:outerShdw blurRad="76200" dist="50800" dir="5400000" algn="ctr" rotWithShape="0">
+              <a:srgbClr val="000000">
+                <a:alpha val="27000"/>
+              </a:srgbClr>
+            </a:outerShdw>
+          </a:effectLst>
+        </p:spPr>
+        <p:style>
+          <a:lnRef idx="2">
+            <a:schemeClr val="accent1">
+              <a:shade val="50000"/>
+            </a:schemeClr>
+          </a:lnRef>
+          <a:fillRef idx="1">
+            <a:schemeClr val="accent1"/>
+          </a:fillRef>
+          <a:effectRef idx="0">
+            <a:schemeClr val="accent1"/>
+          </a:effectRef>
+          <a:fontRef idx="minor">
+            <a:schemeClr val="lt1"/>
+          </a:fontRef>
+        </p:style>
+        <p:txBody>
+          <a:bodyPr rtlCol="0" anchor="ctr"/>
+          <a:lstStyle/>
+          <a:p>
+            <a:pPr algn="ctr"/>
+            <a:endParaRPr lang="zh-CN" altLang="en-US" dirty="0" smtClean="0"/>
+          </a:p>
+        </p:txBody>
+      </p:sp>
+      <p:sp>
+        <p:nvSpPr>
+          <p:cNvPr id="37" name="Rectangle 36"/>
+          <p:cNvSpPr/>
+          <p:nvPr/>
+        </p:nvSpPr>
+        <p:spPr>
+          <a:xfrm>
+            <a:off x="3777423" y="4720586"/>
+            <a:ext cx="4737711" cy="425309"/>
+          </a:xfrm>
+          <a:prstGeom prst="rect">
+            <a:avLst/>
+          </a:prstGeom>
+          <a:solidFill>
+            <a:srgbClr val="0096D6">
+              <a:alpha val="33000"/>
+            </a:srgbClr>
+          </a:solidFill>
+          <a:ln>
+            <a:noFill/>
+          </a:ln>
+          <a:effectLst>
+            <a:outerShdw blurRad="76200" dist="50800" dir="5400000" algn="ctr" rotWithShape="0">
+              <a:srgbClr val="000000">
+                <a:alpha val="27000"/>
+              </a:srgbClr>
+            </a:outerShdw>
+          </a:effectLst>
+        </p:spPr>
+        <p:style>
+          <a:lnRef idx="2">
+            <a:schemeClr val="accent1">
+              <a:shade val="50000"/>
+            </a:schemeClr>
+          </a:lnRef>
+          <a:fillRef idx="1">
+            <a:schemeClr val="accent1"/>
+          </a:fillRef>
+          <a:effectRef idx="0">
+            <a:schemeClr val="accent1"/>
+          </a:effectRef>
+          <a:fontRef idx="minor">
+            <a:schemeClr val="lt1"/>
+          </a:fontRef>
+        </p:style>
+        <p:txBody>
+          <a:bodyPr rtlCol="0" anchor="ctr"/>
+          <a:lstStyle/>
+          <a:p>
+            <a:pPr algn="ctr"/>
+            <a:endParaRPr lang="zh-CN" altLang="en-US" dirty="0" smtClean="0"/>
+          </a:p>
+        </p:txBody>
+      </p:sp>
+      <p:sp>
+        <p:nvSpPr>
+          <p:cNvPr id="38" name="Rectangle 37"/>
+          <p:cNvSpPr/>
+          <p:nvPr/>
+        </p:nvSpPr>
+        <p:spPr>
+          <a:xfrm>
+            <a:off x="3769127" y="5931230"/>
+            <a:ext cx="4748069" cy="453502"/>
+          </a:xfrm>
+          <a:prstGeom prst="rect">
+            <a:avLst/>
+          </a:prstGeom>
+          <a:solidFill>
+            <a:srgbClr val="0096D6">
+              <a:alpha val="33000"/>
+            </a:srgbClr>
+          </a:solidFill>
+          <a:ln>
+            <a:noFill/>
+          </a:ln>
+          <a:effectLst>
+            <a:outerShdw blurRad="76200" dist="50800" dir="5400000" algn="ctr" rotWithShape="0">
+              <a:srgbClr val="000000">
+                <a:alpha val="27000"/>
+              </a:srgbClr>
+            </a:outerShdw>
+          </a:effectLst>
+        </p:spPr>
+        <p:style>
+          <a:lnRef idx="2">
+            <a:schemeClr val="accent1">
+              <a:shade val="50000"/>
+            </a:schemeClr>
+          </a:lnRef>
+          <a:fillRef idx="1">
+            <a:schemeClr val="accent1"/>
+          </a:fillRef>
+          <a:effectRef idx="0">
+            <a:schemeClr val="accent1"/>
+          </a:effectRef>
+          <a:fontRef idx="minor">
+            <a:schemeClr val="lt1"/>
+          </a:fontRef>
+        </p:style>
+        <p:txBody>
+          <a:bodyPr rtlCol="0" anchor="ctr"/>
+          <a:lstStyle/>
+          <a:p>
+            <a:pPr algn="ctr"/>
+            <a:endParaRPr lang="zh-CN" altLang="en-US" dirty="0" smtClean="0"/>
+          </a:p>
+        </p:txBody>
+      </p:sp>
+      <p:sp>
+        <p:nvSpPr>
+          <p:cNvPr id="39" name="Rectangle 38"/>
+          <p:cNvSpPr/>
+          <p:nvPr/>
+        </p:nvSpPr>
+        <p:spPr>
+          <a:xfrm>
+            <a:off x="240849" y="4718895"/>
+            <a:ext cx="3525132" cy="1554717"/>
+          </a:xfrm>
+          <a:prstGeom prst="rect">
+            <a:avLst/>
+          </a:prstGeom>
+          <a:solidFill>
+            <a:schemeClr val="bg1">
+              <a:lumMod val="50000"/>
+              <a:alpha val="77000"/>
+            </a:schemeClr>
+          </a:solidFill>
+          <a:ln>
+            <a:noFill/>
+          </a:ln>
+          <a:effectLst>
+            <a:outerShdw blurRad="76200" dist="50800" dir="5400000" algn="ctr" rotWithShape="0">
+              <a:srgbClr val="000000">
+                <a:alpha val="27000"/>
+              </a:srgbClr>
+            </a:outerShdw>
+          </a:effectLst>
+        </p:spPr>
+        <p:style>
+          <a:lnRef idx="2">
+            <a:schemeClr val="accent1">
+              <a:shade val="50000"/>
+            </a:schemeClr>
+          </a:lnRef>
+          <a:fillRef idx="1">
+            <a:schemeClr val="accent1"/>
+          </a:fillRef>
+          <a:effectRef idx="0">
+            <a:schemeClr val="accent1"/>
+          </a:effectRef>
+          <a:fontRef idx="minor">
+            <a:schemeClr val="lt1"/>
+          </a:fontRef>
+        </p:style>
+        <p:txBody>
+          <a:bodyPr rtlCol="0" anchor="ctr"/>
+          <a:lstStyle/>
+          <a:p>
+            <a:pPr algn="ctr"/>
+            <a:endParaRPr lang="zh-CN" altLang="en-US" dirty="0" smtClean="0"/>
+          </a:p>
+        </p:txBody>
+      </p:sp>
+      <p:sp>
+        <p:nvSpPr>
+          <p:cNvPr id="40" name="Rectangle 39"/>
+          <p:cNvSpPr/>
+          <p:nvPr/>
+        </p:nvSpPr>
+        <p:spPr>
+          <a:xfrm>
+            <a:off x="235242" y="2702902"/>
+            <a:ext cx="8276374" cy="826776"/>
+          </a:xfrm>
+          <a:prstGeom prst="rect">
+            <a:avLst/>
+          </a:prstGeom>
+          <a:solidFill>
+            <a:srgbClr val="0096D6">
+              <a:alpha val="33000"/>
+            </a:srgbClr>
+          </a:solidFill>
+          <a:ln>
+            <a:noFill/>
+          </a:ln>
+          <a:effectLst>
+            <a:outerShdw blurRad="76200" dist="50800" dir="5400000" algn="ctr" rotWithShape="0">
+              <a:srgbClr val="000000">
+                <a:alpha val="27000"/>
+              </a:srgbClr>
+            </a:outerShdw>
+          </a:effectLst>
+        </p:spPr>
+        <p:style>
+          <a:lnRef idx="2">
+            <a:schemeClr val="accent1">
+              <a:shade val="50000"/>
+            </a:schemeClr>
+          </a:lnRef>
+          <a:fillRef idx="1">
+            <a:schemeClr val="accent1"/>
+          </a:fillRef>
+          <a:effectRef idx="0">
+            <a:schemeClr val="accent1"/>
+          </a:effectRef>
+          <a:fontRef idx="minor">
+            <a:schemeClr val="lt1"/>
+          </a:fontRef>
+        </p:style>
+        <p:txBody>
+          <a:bodyPr rtlCol="0" anchor="ctr"/>
+          <a:lstStyle/>
+          <a:p>
+            <a:pPr algn="ctr"/>
+            <a:endParaRPr lang="zh-CN" altLang="en-US" dirty="0" smtClean="0"/>
+          </a:p>
+        </p:txBody>
+      </p:sp>
+      <p:sp>
+        <p:nvSpPr>
+          <p:cNvPr id="41" name="Rectangle 40"/>
+          <p:cNvSpPr/>
+          <p:nvPr/>
+        </p:nvSpPr>
+        <p:spPr>
+          <a:xfrm>
+            <a:off x="232970" y="1878348"/>
+            <a:ext cx="8276374" cy="826776"/>
+          </a:xfrm>
+          <a:prstGeom prst="rect">
+            <a:avLst/>
+          </a:prstGeom>
+          <a:solidFill>
+            <a:srgbClr val="0096D6">
+              <a:alpha val="33000"/>
+            </a:srgbClr>
+          </a:solidFill>
+          <a:ln>
+            <a:noFill/>
+          </a:ln>
+          <a:effectLst>
+            <a:outerShdw blurRad="76200" dist="50800" dir="5400000" algn="ctr" rotWithShape="0">
+              <a:srgbClr val="000000">
+                <a:alpha val="27000"/>
+              </a:srgbClr>
+            </a:outerShdw>
+          </a:effectLst>
+        </p:spPr>
+        <p:style>
+          <a:lnRef idx="2">
+            <a:schemeClr val="accent1">
+              <a:shade val="50000"/>
+            </a:schemeClr>
+          </a:lnRef>
+          <a:fillRef idx="1">
+            <a:schemeClr val="accent1"/>
+          </a:fillRef>
+          <a:effectRef idx="0">
+            <a:schemeClr val="accent1"/>
+          </a:effectRef>
+          <a:fontRef idx="minor">
+            <a:schemeClr val="lt1"/>
+          </a:fontRef>
+        </p:style>
+        <p:txBody>
+          <a:bodyPr rtlCol="0" anchor="ctr"/>
+          <a:lstStyle/>
+          <a:p>
+            <a:pPr algn="ctr"/>
+            <a:endParaRPr lang="zh-CN" altLang="en-US" dirty="0" smtClean="0"/>
+          </a:p>
+        </p:txBody>
+      </p:sp>
+      <p:sp>
+        <p:nvSpPr>
+          <p:cNvPr id="42" name="Rectangle 41"/>
+          <p:cNvSpPr/>
+          <p:nvPr/>
+        </p:nvSpPr>
+        <p:spPr>
+          <a:xfrm>
+            <a:off x="238839" y="1375874"/>
+            <a:ext cx="5386360" cy="496557"/>
+          </a:xfrm>
+          <a:prstGeom prst="rect">
+            <a:avLst/>
+          </a:prstGeom>
+          <a:solidFill>
+            <a:srgbClr val="0096D6">
+              <a:alpha val="33000"/>
+            </a:srgbClr>
+          </a:solidFill>
+          <a:ln>
+            <a:noFill/>
+          </a:ln>
+          <a:effectLst>
+            <a:outerShdw blurRad="76200" dist="50800" dir="5400000" algn="ctr" rotWithShape="0">
+              <a:srgbClr val="000000">
+                <a:alpha val="27000"/>
+              </a:srgbClr>
+            </a:outerShdw>
+          </a:effectLst>
+        </p:spPr>
+        <p:style>
+          <a:lnRef idx="2">
+            <a:schemeClr val="accent1">
+              <a:shade val="50000"/>
+            </a:schemeClr>
+          </a:lnRef>
+          <a:fillRef idx="1">
+            <a:schemeClr val="accent1"/>
+          </a:fillRef>
+          <a:effectRef idx="0">
+            <a:schemeClr val="accent1"/>
+          </a:effectRef>
+          <a:fontRef idx="minor">
+            <a:schemeClr val="lt1"/>
+          </a:fontRef>
+        </p:style>
+        <p:txBody>
+          <a:bodyPr rtlCol="0" anchor="ctr"/>
+          <a:lstStyle/>
+          <a:p>
+            <a:pPr algn="ctr"/>
+            <a:endParaRPr lang="zh-CN" altLang="en-US" dirty="0" smtClean="0"/>
+          </a:p>
+        </p:txBody>
+      </p:sp>
+      <p:sp>
+        <p:nvSpPr>
+          <p:cNvPr id="43" name="Rectangle 42"/>
+          <p:cNvSpPr/>
+          <p:nvPr/>
+        </p:nvSpPr>
+        <p:spPr>
+          <a:xfrm>
+            <a:off x="5625199" y="1389873"/>
+            <a:ext cx="2895804" cy="496557"/>
+          </a:xfrm>
+          <a:prstGeom prst="rect">
+            <a:avLst/>
+          </a:prstGeom>
+          <a:solidFill>
+            <a:srgbClr val="0096D6">
+              <a:alpha val="33000"/>
+            </a:srgbClr>
+          </a:solidFill>
+          <a:ln>
+            <a:noFill/>
+          </a:ln>
+          <a:effectLst>
+            <a:outerShdw blurRad="76200" dist="50800" dir="5400000" algn="ctr" rotWithShape="0">
+              <a:srgbClr val="000000">
+                <a:alpha val="27000"/>
+              </a:srgbClr>
+            </a:outerShdw>
+          </a:effectLst>
+        </p:spPr>
+        <p:style>
+          <a:lnRef idx="2">
+            <a:schemeClr val="accent1">
+              <a:shade val="50000"/>
+            </a:schemeClr>
+          </a:lnRef>
+          <a:fillRef idx="1">
+            <a:schemeClr val="accent1"/>
+          </a:fillRef>
+          <a:effectRef idx="0">
+            <a:schemeClr val="accent1"/>
+          </a:effectRef>
+          <a:fontRef idx="minor">
+            <a:schemeClr val="lt1"/>
+          </a:fontRef>
+        </p:style>
+        <p:txBody>
+          <a:bodyPr rtlCol="0" anchor="ctr"/>
+          <a:lstStyle/>
+          <a:p>
+            <a:pPr algn="ctr"/>
+            <a:endParaRPr lang="zh-CN" altLang="en-US" dirty="0" smtClean="0"/>
           </a:p>
         </p:txBody>
       </p:sp>
     </p:spTree>
     <p:extLst>
       <p:ext uri="{BB962C8B-B14F-4D97-AF65-F5344CB8AC3E}">
-        <p14:creationId xmlns:p14="http://schemas.microsoft.com/office/powerpoint/2010/main" val="2466738312"/>
+        <p14:creationId xmlns:p14="http://schemas.microsoft.com/office/powerpoint/2010/main" val="3275086681"/>
       </p:ext>
     </p:extLst>
   </p:cSld>
   <p:clrMapOvr>
     <a:masterClrMapping/>
   </p:clrMapOvr>
-  <p:transition>
+  <p:transition xmlns:p14="http://schemas.microsoft.com/office/powerpoint/2010/main">
     <p:wipe dir="r"/>
   </p:transition>
+  <p:timing>
+    <p:tnLst>
+      <p:par>
+        <p:cTn xmlns:p14="http://schemas.microsoft.com/office/powerpoint/2010/main" id="1" dur="indefinite" restart="never" nodeType="tmRoot">
+          <p:childTnLst>
+            <p:seq concurrent="1" nextAc="seek">
+              <p:cTn id="2" dur="indefinite" nodeType="mainSeq">
+                <p:childTnLst>
+                  <p:par>
+                    <p:cTn id="3" fill="hold">
+                      <p:stCondLst>
+                        <p:cond delay="indefinite"/>
+                      </p:stCondLst>
+                      <p:childTnLst>
+                        <p:par>
+                          <p:cTn id="4" fill="hold">
+                            <p:stCondLst>
+                              <p:cond delay="0"/>
+                            </p:stCondLst>
+                            <p:childTnLst>
+                              <p:par>
+                                <p:cTn id="5" presetID="1" presetClass="entr" presetSubtype="0" fill="hold" grpId="0" nodeType="clickEffect">
+                                  <p:stCondLst>
+                                    <p:cond delay="0"/>
+                                  </p:stCondLst>
+                                  <p:childTnLst>
+                                    <p:set>
+                                      <p:cBhvr>
+                                        <p:cTn id="6" dur="1" fill="hold">
+                                          <p:stCondLst>
+                                            <p:cond delay="0"/>
+                                          </p:stCondLst>
+                                        </p:cTn>
+                                        <p:tgtEl>
+                                          <p:spTgt spid="39"/>
+                                        </p:tgtEl>
+                                        <p:attrNameLst>
+                                          <p:attrName>style.visibility</p:attrName>
+                                        </p:attrNameLst>
+                                      </p:cBhvr>
+                                      <p:to>
+                                        <p:strVal val="visible"/>
+                                      </p:to>
+                                    </p:set>
+                                  </p:childTnLst>
+                                </p:cTn>
+                              </p:par>
+                            </p:childTnLst>
+                          </p:cTn>
+                        </p:par>
+                      </p:childTnLst>
+                    </p:cTn>
+                  </p:par>
+                  <p:par>
+                    <p:cTn id="7" fill="hold">
+                      <p:stCondLst>
+                        <p:cond delay="indefinite"/>
+                      </p:stCondLst>
+                      <p:childTnLst>
+                        <p:par>
+                          <p:cTn id="8" fill="hold">
+                            <p:stCondLst>
+                              <p:cond delay="0"/>
+                            </p:stCondLst>
+                            <p:childTnLst>
+                              <p:par>
+                                <p:cTn id="9" presetID="1" presetClass="entr" presetSubtype="0" fill="hold" grpId="0" nodeType="clickEffect">
+                                  <p:stCondLst>
+                                    <p:cond delay="0"/>
+                                  </p:stCondLst>
+                                  <p:childTnLst>
+                                    <p:set>
+                                      <p:cBhvr>
+                                        <p:cTn id="10" dur="1" fill="hold">
+                                          <p:stCondLst>
+                                            <p:cond delay="0"/>
+                                          </p:stCondLst>
+                                        </p:cTn>
+                                        <p:tgtEl>
+                                          <p:spTgt spid="38"/>
+                                        </p:tgtEl>
+                                        <p:attrNameLst>
+                                          <p:attrName>style.visibility</p:attrName>
+                                        </p:attrNameLst>
+                                      </p:cBhvr>
+                                      <p:to>
+                                        <p:strVal val="visible"/>
+                                      </p:to>
+                                    </p:set>
+                                  </p:childTnLst>
+                                </p:cTn>
+                              </p:par>
+                              <p:par>
+                                <p:cTn id="11" presetID="1" presetClass="entr" presetSubtype="0" fill="hold" grpId="0" nodeType="withEffect">
+                                  <p:stCondLst>
+                                    <p:cond delay="0"/>
+                                  </p:stCondLst>
+                                  <p:childTnLst>
+                                    <p:set>
+                                      <p:cBhvr>
+                                        <p:cTn id="12" dur="1" fill="hold">
+                                          <p:stCondLst>
+                                            <p:cond delay="0"/>
+                                          </p:stCondLst>
+                                        </p:cTn>
+                                        <p:tgtEl>
+                                          <p:spTgt spid="37"/>
+                                        </p:tgtEl>
+                                        <p:attrNameLst>
+                                          <p:attrName>style.visibility</p:attrName>
+                                        </p:attrNameLst>
+                                      </p:cBhvr>
+                                      <p:to>
+                                        <p:strVal val="visible"/>
+                                      </p:to>
+                                    </p:set>
+                                  </p:childTnLst>
+                                </p:cTn>
+                              </p:par>
+                            </p:childTnLst>
+                          </p:cTn>
+                        </p:par>
+                      </p:childTnLst>
+                    </p:cTn>
+                  </p:par>
+                  <p:par>
+                    <p:cTn id="13" fill="hold">
+                      <p:stCondLst>
+                        <p:cond delay="indefinite"/>
+                      </p:stCondLst>
+                      <p:childTnLst>
+                        <p:par>
+                          <p:cTn id="14" fill="hold">
+                            <p:stCondLst>
+                              <p:cond delay="0"/>
+                            </p:stCondLst>
+                            <p:childTnLst>
+                              <p:par>
+                                <p:cTn id="15" presetID="1" presetClass="entr" presetSubtype="0" fill="hold" grpId="0" nodeType="clickEffect">
+                                  <p:stCondLst>
+                                    <p:cond delay="0"/>
+                                  </p:stCondLst>
+                                  <p:childTnLst>
+                                    <p:set>
+                                      <p:cBhvr>
+                                        <p:cTn id="16" dur="1" fill="hold">
+                                          <p:stCondLst>
+                                            <p:cond delay="0"/>
+                                          </p:stCondLst>
+                                        </p:cTn>
+                                        <p:tgtEl>
+                                          <p:spTgt spid="36"/>
+                                        </p:tgtEl>
+                                        <p:attrNameLst>
+                                          <p:attrName>style.visibility</p:attrName>
+                                        </p:attrNameLst>
+                                      </p:cBhvr>
+                                      <p:to>
+                                        <p:strVal val="visible"/>
+                                      </p:to>
+                                    </p:set>
+                                  </p:childTnLst>
+                                </p:cTn>
+                              </p:par>
+                            </p:childTnLst>
+                          </p:cTn>
+                        </p:par>
+                      </p:childTnLst>
+                    </p:cTn>
+                  </p:par>
+                  <p:par>
+                    <p:cTn id="17" fill="hold">
+                      <p:stCondLst>
+                        <p:cond delay="indefinite"/>
+                      </p:stCondLst>
+                      <p:childTnLst>
+                        <p:par>
+                          <p:cTn id="18" fill="hold">
+                            <p:stCondLst>
+                              <p:cond delay="0"/>
+                            </p:stCondLst>
+                            <p:childTnLst>
+                              <p:par>
+                                <p:cTn id="19" presetID="1" presetClass="entr" presetSubtype="0" fill="hold" grpId="0" nodeType="clickEffect">
+                                  <p:stCondLst>
+                                    <p:cond delay="0"/>
+                                  </p:stCondLst>
+                                  <p:childTnLst>
+                                    <p:set>
+                                      <p:cBhvr>
+                                        <p:cTn id="20" dur="1" fill="hold">
+                                          <p:stCondLst>
+                                            <p:cond delay="0"/>
+                                          </p:stCondLst>
+                                        </p:cTn>
+                                        <p:tgtEl>
+                                          <p:spTgt spid="40"/>
+                                        </p:tgtEl>
+                                        <p:attrNameLst>
+                                          <p:attrName>style.visibility</p:attrName>
+                                        </p:attrNameLst>
+                                      </p:cBhvr>
+                                      <p:to>
+                                        <p:strVal val="visible"/>
+                                      </p:to>
+                                    </p:set>
+                                  </p:childTnLst>
+                                </p:cTn>
+                              </p:par>
+                            </p:childTnLst>
+                          </p:cTn>
+                        </p:par>
+                      </p:childTnLst>
+                    </p:cTn>
+                  </p:par>
+                  <p:par>
+                    <p:cTn id="21" fill="hold">
+                      <p:stCondLst>
+                        <p:cond delay="indefinite"/>
+                      </p:stCondLst>
+                      <p:childTnLst>
+                        <p:par>
+                          <p:cTn id="22" fill="hold">
+                            <p:stCondLst>
+                              <p:cond delay="0"/>
+                            </p:stCondLst>
+                            <p:childTnLst>
+                              <p:par>
+                                <p:cTn id="23" presetID="1" presetClass="entr" presetSubtype="0" fill="hold" grpId="0" nodeType="clickEffect">
+                                  <p:stCondLst>
+                                    <p:cond delay="0"/>
+                                  </p:stCondLst>
+                                  <p:childTnLst>
+                                    <p:set>
+                                      <p:cBhvr>
+                                        <p:cTn id="24" dur="1" fill="hold">
+                                          <p:stCondLst>
+                                            <p:cond delay="0"/>
+                                          </p:stCondLst>
+                                        </p:cTn>
+                                        <p:tgtEl>
+                                          <p:spTgt spid="41"/>
+                                        </p:tgtEl>
+                                        <p:attrNameLst>
+                                          <p:attrName>style.visibility</p:attrName>
+                                        </p:attrNameLst>
+                                      </p:cBhvr>
+                                      <p:to>
+                                        <p:strVal val="visible"/>
+                                      </p:to>
+                                    </p:set>
+                                  </p:childTnLst>
+                                </p:cTn>
+                              </p:par>
+                              <p:par>
+                                <p:cTn id="25" presetID="1" presetClass="entr" presetSubtype="0" fill="hold" grpId="0" nodeType="withEffect">
+                                  <p:stCondLst>
+                                    <p:cond delay="0"/>
+                                  </p:stCondLst>
+                                  <p:childTnLst>
+                                    <p:set>
+                                      <p:cBhvr>
+                                        <p:cTn id="26" dur="1" fill="hold">
+                                          <p:stCondLst>
+                                            <p:cond delay="0"/>
+                                          </p:stCondLst>
+                                        </p:cTn>
+                                        <p:tgtEl>
+                                          <p:spTgt spid="42"/>
+                                        </p:tgtEl>
+                                        <p:attrNameLst>
+                                          <p:attrName>style.visibility</p:attrName>
+                                        </p:attrNameLst>
+                                      </p:cBhvr>
+                                      <p:to>
+                                        <p:strVal val="visible"/>
+                                      </p:to>
+                                    </p:set>
+                                  </p:childTnLst>
+                                </p:cTn>
+                              </p:par>
+                            </p:childTnLst>
+                          </p:cTn>
+                        </p:par>
+                      </p:childTnLst>
+                    </p:cTn>
+                  </p:par>
+                  <p:par>
+                    <p:cTn id="27" fill="hold">
+                      <p:stCondLst>
+                        <p:cond delay="indefinite"/>
+                      </p:stCondLst>
+                      <p:childTnLst>
+                        <p:par>
+                          <p:cTn id="28" fill="hold">
+                            <p:stCondLst>
+                              <p:cond delay="0"/>
+                            </p:stCondLst>
+                            <p:childTnLst>
+                              <p:par>
+                                <p:cTn id="29" presetID="1" presetClass="entr" presetSubtype="0" fill="hold" grpId="0" nodeType="clickEffect">
+                                  <p:stCondLst>
+                                    <p:cond delay="0"/>
+                                  </p:stCondLst>
+                                  <p:childTnLst>
+                                    <p:set>
+                                      <p:cBhvr>
+                                        <p:cTn id="30" dur="1" fill="hold">
+                                          <p:stCondLst>
+                                            <p:cond delay="0"/>
+                                          </p:stCondLst>
+                                        </p:cTn>
+                                        <p:tgtEl>
+                                          <p:spTgt spid="43"/>
+                                        </p:tgtEl>
+                                        <p:attrNameLst>
+                                          <p:attrName>style.visibility</p:attrName>
+                                        </p:attrNameLst>
+                                      </p:cBhvr>
+                                      <p:to>
+                                        <p:strVal val="visible"/>
+                                      </p:to>
+                                    </p:set>
+                                  </p:childTnLst>
+                                </p:cTn>
+                              </p:par>
+                            </p:childTnLst>
+                          </p:cTn>
+                        </p:par>
+                      </p:childTnLst>
+                    </p:cTn>
+                  </p:par>
+                </p:childTnLst>
+              </p:cTn>
+              <p:prevCondLst>
+                <p:cond evt="onPrev" delay="0">
+                  <p:tgtEl>
+                    <p:sldTgt/>
+                  </p:tgtEl>
+                </p:cond>
+              </p:prevCondLst>
+              <p:nextCondLst>
+                <p:cond evt="onNext" delay="0">
+                  <p:tgtEl>
+                    <p:sldTgt/>
+                  </p:tgtEl>
+                </p:cond>
+              </p:nextCondLst>
+            </p:seq>
+          </p:childTnLst>
+        </p:cTn>
+      </p:par>
+    </p:tnLst>
+    <p:bldLst>
+      <p:bldP spid="36" grpId="0" animBg="1"/>
+      <p:bldP spid="37" grpId="0" animBg="1"/>
+      <p:bldP spid="38" grpId="0" animBg="1"/>
+      <p:bldP spid="39" grpId="0" animBg="1"/>
+      <p:bldP spid="40" grpId="0" animBg="1"/>
+      <p:bldP spid="41" grpId="0" animBg="1"/>
+      <p:bldP spid="42" grpId="0" animBg="1"/>
+      <p:bldP spid="43" grpId="0" animBg="1"/>
+    </p:bldLst>
+  </p:timing>
 </p:sld>
 </file>
 
@@ -8710,25 +12014,6 @@
       </p:grpSpPr>
       <p:sp>
         <p:nvSpPr>
-          <p:cNvPr id="2" name="Text Placeholder 1"/>
-          <p:cNvSpPr>
-            <a:spLocks noGrp="1"/>
-          </p:cNvSpPr>
-          <p:nvPr>
-            <p:ph type="body" sz="quarter" idx="10"/>
-          </p:nvPr>
-        </p:nvSpPr>
-        <p:spPr/>
-        <p:txBody>
-          <a:bodyPr/>
-          <a:lstStyle/>
-          <a:p>
-            <a:endParaRPr lang="zh-CN" altLang="en-US"/>
-          </a:p>
-        </p:txBody>
-      </p:sp>
-      <p:sp>
-        <p:nvSpPr>
           <p:cNvPr id="3" name="Title 2"/>
           <p:cNvSpPr>
             <a:spLocks noGrp="1"/>
@@ -8743,26 +12028,1786 @@
           <a:lstStyle/>
           <a:p>
             <a:r>
-              <a:rPr lang="en-US" altLang="zh-CN" dirty="0" smtClean="0"/>
-              <a:t>WebRTC Video Engine</a:t>
-            </a:r>
-            <a:endParaRPr lang="zh-CN" altLang="en-US" dirty="0"/>
+              <a:rPr lang="en-US" altLang="zh-CN" dirty="0"/>
+              <a:t>Current Status</a:t>
+            </a:r>
+            <a:endParaRPr lang="zh-CN" altLang="en-US" sz="2000" dirty="0"/>
+          </a:p>
+        </p:txBody>
+      </p:sp>
+      <p:sp>
+        <p:nvSpPr>
+          <p:cNvPr id="4" name="Rectangle 3"/>
+          <p:cNvSpPr/>
+          <p:nvPr/>
+        </p:nvSpPr>
+        <p:spPr>
+          <a:xfrm>
+            <a:off x="2299001" y="2573988"/>
+            <a:ext cx="1891664" cy="3130291"/>
+          </a:xfrm>
+          <a:prstGeom prst="rect">
+            <a:avLst/>
+          </a:prstGeom>
+          <a:noFill/>
+          <a:ln w="12700">
+            <a:solidFill>
+              <a:schemeClr val="bg2"/>
+            </a:solidFill>
+          </a:ln>
+          <a:effectLst>
+            <a:outerShdw blurRad="76200" dist="50800" dir="5400000" algn="ctr" rotWithShape="0">
+              <a:srgbClr val="000000">
+                <a:alpha val="27000"/>
+              </a:srgbClr>
+            </a:outerShdw>
+          </a:effectLst>
+        </p:spPr>
+        <p:style>
+          <a:lnRef idx="2">
+            <a:schemeClr val="accent1">
+              <a:shade val="50000"/>
+            </a:schemeClr>
+          </a:lnRef>
+          <a:fillRef idx="1">
+            <a:schemeClr val="accent1"/>
+          </a:fillRef>
+          <a:effectRef idx="0">
+            <a:schemeClr val="accent1"/>
+          </a:effectRef>
+          <a:fontRef idx="minor">
+            <a:schemeClr val="lt1"/>
+          </a:fontRef>
+        </p:style>
+        <p:txBody>
+          <a:bodyPr rtlCol="0" anchor="ctr"/>
+          <a:lstStyle/>
+          <a:p>
+            <a:pPr algn="ctr"/>
+            <a:endParaRPr lang="zh-CN" altLang="en-US" dirty="0" smtClean="0"/>
+          </a:p>
+        </p:txBody>
+      </p:sp>
+      <p:sp>
+        <p:nvSpPr>
+          <p:cNvPr id="5" name="Rounded Rectangle 4"/>
+          <p:cNvSpPr/>
+          <p:nvPr/>
+        </p:nvSpPr>
+        <p:spPr>
+          <a:xfrm>
+            <a:off x="2423523" y="3288672"/>
+            <a:ext cx="540000" cy="341644"/>
+          </a:xfrm>
+          <a:prstGeom prst="roundRect">
+            <a:avLst/>
+          </a:prstGeom>
+          <a:solidFill>
+            <a:schemeClr val="accent2">
+              <a:lumMod val="50000"/>
+            </a:schemeClr>
+          </a:solidFill>
+          <a:ln w="12700">
+            <a:solidFill>
+              <a:schemeClr val="bg2"/>
+            </a:solidFill>
+          </a:ln>
+          <a:effectLst>
+            <a:outerShdw blurRad="76200" dist="50800" dir="5400000" algn="ctr" rotWithShape="0">
+              <a:srgbClr val="000000">
+                <a:alpha val="27000"/>
+              </a:srgbClr>
+            </a:outerShdw>
+          </a:effectLst>
+        </p:spPr>
+        <p:style>
+          <a:lnRef idx="2">
+            <a:schemeClr val="accent1">
+              <a:shade val="50000"/>
+            </a:schemeClr>
+          </a:lnRef>
+          <a:fillRef idx="1">
+            <a:schemeClr val="accent1"/>
+          </a:fillRef>
+          <a:effectRef idx="0">
+            <a:schemeClr val="accent1"/>
+          </a:effectRef>
+          <a:fontRef idx="minor">
+            <a:schemeClr val="lt1"/>
+          </a:fontRef>
+        </p:style>
+        <p:txBody>
+          <a:bodyPr rtlCol="0" anchor="ctr"/>
+          <a:lstStyle/>
+          <a:p>
+            <a:pPr algn="ctr"/>
+            <a:r>
+              <a:rPr lang="en-US" altLang="zh-CN" sz="1000" dirty="0" smtClean="0"/>
+              <a:t>Win</a:t>
+            </a:r>
+            <a:endParaRPr lang="zh-CN" altLang="en-US" sz="1000" dirty="0" smtClean="0"/>
+          </a:p>
+        </p:txBody>
+      </p:sp>
+      <p:sp>
+        <p:nvSpPr>
+          <p:cNvPr id="6" name="Rounded Rectangle 5"/>
+          <p:cNvSpPr/>
+          <p:nvPr/>
+        </p:nvSpPr>
+        <p:spPr>
+          <a:xfrm>
+            <a:off x="2989460" y="3288672"/>
+            <a:ext cx="540000" cy="341644"/>
+          </a:xfrm>
+          <a:prstGeom prst="roundRect">
+            <a:avLst/>
+          </a:prstGeom>
+          <a:solidFill>
+            <a:schemeClr val="accent2">
+              <a:lumMod val="75000"/>
+            </a:schemeClr>
+          </a:solidFill>
+          <a:ln w="12700">
+            <a:solidFill>
+              <a:schemeClr val="bg2"/>
+            </a:solidFill>
+          </a:ln>
+          <a:effectLst>
+            <a:outerShdw blurRad="76200" dist="50800" dir="5400000" algn="ctr" rotWithShape="0">
+              <a:srgbClr val="000000">
+                <a:alpha val="27000"/>
+              </a:srgbClr>
+            </a:outerShdw>
+          </a:effectLst>
+        </p:spPr>
+        <p:style>
+          <a:lnRef idx="2">
+            <a:schemeClr val="accent1">
+              <a:shade val="50000"/>
+            </a:schemeClr>
+          </a:lnRef>
+          <a:fillRef idx="1">
+            <a:schemeClr val="accent1"/>
+          </a:fillRef>
+          <a:effectRef idx="0">
+            <a:schemeClr val="accent1"/>
+          </a:effectRef>
+          <a:fontRef idx="minor">
+            <a:schemeClr val="lt1"/>
+          </a:fontRef>
+        </p:style>
+        <p:txBody>
+          <a:bodyPr rtlCol="0" anchor="ctr"/>
+          <a:lstStyle/>
+          <a:p>
+            <a:pPr algn="ctr"/>
+            <a:r>
+              <a:rPr lang="en-US" altLang="zh-CN" sz="1000" dirty="0" smtClean="0"/>
+              <a:t>Mac</a:t>
+            </a:r>
+            <a:endParaRPr lang="zh-CN" altLang="en-US" sz="1000" dirty="0" smtClean="0"/>
+          </a:p>
+        </p:txBody>
+      </p:sp>
+      <p:sp>
+        <p:nvSpPr>
+          <p:cNvPr id="7" name="Rounded Rectangle 6"/>
+          <p:cNvSpPr/>
+          <p:nvPr/>
+        </p:nvSpPr>
+        <p:spPr>
+          <a:xfrm>
+            <a:off x="3559604" y="3288672"/>
+            <a:ext cx="540000" cy="341644"/>
+          </a:xfrm>
+          <a:prstGeom prst="roundRect">
+            <a:avLst/>
+          </a:prstGeom>
+          <a:solidFill>
+            <a:schemeClr val="accent4">
+              <a:lumMod val="75000"/>
+            </a:schemeClr>
+          </a:solidFill>
+          <a:ln w="12700">
+            <a:solidFill>
+              <a:schemeClr val="bg2"/>
+            </a:solidFill>
+          </a:ln>
+          <a:effectLst>
+            <a:outerShdw blurRad="76200" dist="50800" dir="5400000" algn="ctr" rotWithShape="0">
+              <a:srgbClr val="000000">
+                <a:alpha val="27000"/>
+              </a:srgbClr>
+            </a:outerShdw>
+          </a:effectLst>
+        </p:spPr>
+        <p:style>
+          <a:lnRef idx="2">
+            <a:schemeClr val="accent1">
+              <a:shade val="50000"/>
+            </a:schemeClr>
+          </a:lnRef>
+          <a:fillRef idx="1">
+            <a:schemeClr val="accent1"/>
+          </a:fillRef>
+          <a:effectRef idx="0">
+            <a:schemeClr val="accent1"/>
+          </a:effectRef>
+          <a:fontRef idx="minor">
+            <a:schemeClr val="lt1"/>
+          </a:fontRef>
+        </p:style>
+        <p:txBody>
+          <a:bodyPr rtlCol="0" anchor="ctr"/>
+          <a:lstStyle/>
+          <a:p>
+            <a:pPr algn="ctr"/>
+            <a:r>
+              <a:rPr lang="en-US" altLang="zh-CN" sz="1000" dirty="0" smtClean="0"/>
+              <a:t>Linux</a:t>
+            </a:r>
+            <a:endParaRPr lang="zh-CN" altLang="en-US" sz="1000" dirty="0" smtClean="0"/>
+          </a:p>
+        </p:txBody>
+      </p:sp>
+      <p:sp>
+        <p:nvSpPr>
+          <p:cNvPr id="8" name="矩形 113"/>
+          <p:cNvSpPr/>
+          <p:nvPr/>
+        </p:nvSpPr>
+        <p:spPr>
+          <a:xfrm>
+            <a:off x="2423522" y="2666091"/>
+            <a:ext cx="1676081" cy="581137"/>
+          </a:xfrm>
+          <a:prstGeom prst="rect">
+            <a:avLst/>
+          </a:prstGeom>
+          <a:solidFill>
+            <a:schemeClr val="accent6"/>
+          </a:solidFill>
+          <a:ln w="12700">
+            <a:solidFill>
+              <a:schemeClr val="bg1"/>
+            </a:solidFill>
+          </a:ln>
+          <a:effectLst>
+            <a:outerShdw blurRad="76200" dist="50800" dir="5400000" algn="ctr" rotWithShape="0">
+              <a:srgbClr val="000000">
+                <a:alpha val="27000"/>
+              </a:srgbClr>
+            </a:outerShdw>
+          </a:effectLst>
+        </p:spPr>
+        <p:style>
+          <a:lnRef idx="2">
+            <a:schemeClr val="accent1">
+              <a:shade val="50000"/>
+            </a:schemeClr>
+          </a:lnRef>
+          <a:fillRef idx="1">
+            <a:schemeClr val="accent1"/>
+          </a:fillRef>
+          <a:effectRef idx="0">
+            <a:schemeClr val="accent1"/>
+          </a:effectRef>
+          <a:fontRef idx="minor">
+            <a:schemeClr val="lt1"/>
+          </a:fontRef>
+        </p:style>
+        <p:txBody>
+          <a:bodyPr wrap="square" rtlCol="0" anchor="ctr"/>
+          <a:lstStyle/>
+          <a:p>
+            <a:pPr algn="ctr"/>
+            <a:r>
+              <a:rPr lang="en-US" altLang="zh-CN" sz="900" dirty="0" smtClean="0"/>
+              <a:t>Screen</a:t>
+            </a:r>
+          </a:p>
+          <a:p>
+            <a:pPr algn="ctr"/>
+            <a:r>
+              <a:rPr lang="en-US" altLang="zh-CN" sz="900" dirty="0" smtClean="0"/>
+              <a:t>Sharing</a:t>
+            </a:r>
+            <a:endParaRPr lang="zh-CN" altLang="en-US" sz="900" dirty="0" smtClean="0"/>
+          </a:p>
+        </p:txBody>
+      </p:sp>
+      <p:sp>
+        <p:nvSpPr>
+          <p:cNvPr id="9" name="矩形 113"/>
+          <p:cNvSpPr/>
+          <p:nvPr/>
+        </p:nvSpPr>
+        <p:spPr>
+          <a:xfrm>
+            <a:off x="2386172" y="3739481"/>
+            <a:ext cx="1713918" cy="580721"/>
+          </a:xfrm>
+          <a:prstGeom prst="rect">
+            <a:avLst/>
+          </a:prstGeom>
+          <a:solidFill>
+            <a:schemeClr val="accent6"/>
+          </a:solidFill>
+          <a:ln w="12700">
+            <a:solidFill>
+              <a:schemeClr val="bg1"/>
+            </a:solidFill>
+          </a:ln>
+          <a:effectLst>
+            <a:outerShdw blurRad="76200" dist="50800" dir="5400000" algn="ctr" rotWithShape="0">
+              <a:srgbClr val="000000">
+                <a:alpha val="27000"/>
+              </a:srgbClr>
+            </a:outerShdw>
+          </a:effectLst>
+        </p:spPr>
+        <p:style>
+          <a:lnRef idx="2">
+            <a:schemeClr val="accent1">
+              <a:shade val="50000"/>
+            </a:schemeClr>
+          </a:lnRef>
+          <a:fillRef idx="1">
+            <a:schemeClr val="accent1"/>
+          </a:fillRef>
+          <a:effectRef idx="0">
+            <a:schemeClr val="accent1"/>
+          </a:effectRef>
+          <a:fontRef idx="minor">
+            <a:schemeClr val="lt1"/>
+          </a:fontRef>
+        </p:style>
+        <p:txBody>
+          <a:bodyPr wrap="square" rtlCol="0" anchor="ctr"/>
+          <a:lstStyle/>
+          <a:p>
+            <a:pPr algn="ctr"/>
+            <a:r>
+              <a:rPr lang="en-US" altLang="zh-CN" sz="900" dirty="0" smtClean="0"/>
+              <a:t>Display</a:t>
+            </a:r>
+          </a:p>
+          <a:p>
+            <a:pPr algn="ctr"/>
+            <a:r>
+              <a:rPr lang="en-US" altLang="zh-CN" sz="900" dirty="0" smtClean="0"/>
+              <a:t>Enumerate</a:t>
+            </a:r>
+            <a:endParaRPr lang="zh-CN" altLang="en-US" sz="900" dirty="0" smtClean="0"/>
+          </a:p>
+        </p:txBody>
+      </p:sp>
+      <p:sp>
+        <p:nvSpPr>
+          <p:cNvPr id="10" name="Rectangle 9"/>
+          <p:cNvSpPr/>
+          <p:nvPr/>
+        </p:nvSpPr>
+        <p:spPr>
+          <a:xfrm>
+            <a:off x="4302651" y="2574404"/>
+            <a:ext cx="1860859" cy="2275861"/>
+          </a:xfrm>
+          <a:prstGeom prst="rect">
+            <a:avLst/>
+          </a:prstGeom>
+          <a:noFill/>
+          <a:ln w="12700">
+            <a:solidFill>
+              <a:schemeClr val="bg2"/>
+            </a:solidFill>
+          </a:ln>
+          <a:effectLst>
+            <a:outerShdw blurRad="76200" dist="50800" dir="5400000" algn="ctr" rotWithShape="0">
+              <a:srgbClr val="000000">
+                <a:alpha val="27000"/>
+              </a:srgbClr>
+            </a:outerShdw>
+          </a:effectLst>
+        </p:spPr>
+        <p:style>
+          <a:lnRef idx="2">
+            <a:schemeClr val="accent1">
+              <a:shade val="50000"/>
+            </a:schemeClr>
+          </a:lnRef>
+          <a:fillRef idx="1">
+            <a:schemeClr val="accent1"/>
+          </a:fillRef>
+          <a:effectRef idx="0">
+            <a:schemeClr val="accent1"/>
+          </a:effectRef>
+          <a:fontRef idx="minor">
+            <a:schemeClr val="lt1"/>
+          </a:fontRef>
+        </p:style>
+        <p:txBody>
+          <a:bodyPr rtlCol="0" anchor="ctr"/>
+          <a:lstStyle/>
+          <a:p>
+            <a:pPr algn="ctr"/>
+            <a:endParaRPr lang="zh-CN" altLang="en-US" dirty="0" smtClean="0"/>
+          </a:p>
+        </p:txBody>
+      </p:sp>
+      <p:sp>
+        <p:nvSpPr>
+          <p:cNvPr id="16" name="Rounded Rectangle 15"/>
+          <p:cNvSpPr/>
+          <p:nvPr/>
+        </p:nvSpPr>
+        <p:spPr>
+          <a:xfrm>
+            <a:off x="2424009" y="4361646"/>
+            <a:ext cx="540000" cy="341644"/>
+          </a:xfrm>
+          <a:prstGeom prst="roundRect">
+            <a:avLst/>
+          </a:prstGeom>
+          <a:solidFill>
+            <a:schemeClr val="accent2">
+              <a:lumMod val="50000"/>
+            </a:schemeClr>
+          </a:solidFill>
+          <a:ln w="12700">
+            <a:solidFill>
+              <a:schemeClr val="bg2"/>
+            </a:solidFill>
+          </a:ln>
+          <a:effectLst>
+            <a:outerShdw blurRad="76200" dist="50800" dir="5400000" algn="ctr" rotWithShape="0">
+              <a:srgbClr val="000000">
+                <a:alpha val="27000"/>
+              </a:srgbClr>
+            </a:outerShdw>
+          </a:effectLst>
+        </p:spPr>
+        <p:style>
+          <a:lnRef idx="2">
+            <a:schemeClr val="accent1">
+              <a:shade val="50000"/>
+            </a:schemeClr>
+          </a:lnRef>
+          <a:fillRef idx="1">
+            <a:schemeClr val="accent1"/>
+          </a:fillRef>
+          <a:effectRef idx="0">
+            <a:schemeClr val="accent1"/>
+          </a:effectRef>
+          <a:fontRef idx="minor">
+            <a:schemeClr val="lt1"/>
+          </a:fontRef>
+        </p:style>
+        <p:txBody>
+          <a:bodyPr rtlCol="0" anchor="ctr"/>
+          <a:lstStyle/>
+          <a:p>
+            <a:pPr algn="ctr"/>
+            <a:r>
+              <a:rPr lang="en-US" altLang="zh-CN" sz="1000" dirty="0" smtClean="0"/>
+              <a:t>Win</a:t>
+            </a:r>
+            <a:endParaRPr lang="zh-CN" altLang="en-US" sz="1000" dirty="0" smtClean="0"/>
+          </a:p>
+        </p:txBody>
+      </p:sp>
+      <p:sp>
+        <p:nvSpPr>
+          <p:cNvPr id="17" name="Rounded Rectangle 16"/>
+          <p:cNvSpPr/>
+          <p:nvPr/>
+        </p:nvSpPr>
+        <p:spPr>
+          <a:xfrm>
+            <a:off x="2989946" y="4361646"/>
+            <a:ext cx="540000" cy="341644"/>
+          </a:xfrm>
+          <a:prstGeom prst="roundRect">
+            <a:avLst/>
+          </a:prstGeom>
+          <a:solidFill>
+            <a:schemeClr val="accent2">
+              <a:lumMod val="75000"/>
+            </a:schemeClr>
+          </a:solidFill>
+          <a:ln w="12700">
+            <a:solidFill>
+              <a:schemeClr val="bg2"/>
+            </a:solidFill>
+          </a:ln>
+          <a:effectLst>
+            <a:outerShdw blurRad="76200" dist="50800" dir="5400000" algn="ctr" rotWithShape="0">
+              <a:srgbClr val="000000">
+                <a:alpha val="27000"/>
+              </a:srgbClr>
+            </a:outerShdw>
+          </a:effectLst>
+        </p:spPr>
+        <p:style>
+          <a:lnRef idx="2">
+            <a:schemeClr val="accent1">
+              <a:shade val="50000"/>
+            </a:schemeClr>
+          </a:lnRef>
+          <a:fillRef idx="1">
+            <a:schemeClr val="accent1"/>
+          </a:fillRef>
+          <a:effectRef idx="0">
+            <a:schemeClr val="accent1"/>
+          </a:effectRef>
+          <a:fontRef idx="minor">
+            <a:schemeClr val="lt1"/>
+          </a:fontRef>
+        </p:style>
+        <p:txBody>
+          <a:bodyPr rtlCol="0" anchor="ctr"/>
+          <a:lstStyle/>
+          <a:p>
+            <a:pPr algn="ctr"/>
+            <a:r>
+              <a:rPr lang="en-US" altLang="zh-CN" sz="1000" dirty="0" smtClean="0"/>
+              <a:t>Mac</a:t>
+            </a:r>
+            <a:endParaRPr lang="zh-CN" altLang="en-US" sz="1000" dirty="0" smtClean="0"/>
+          </a:p>
+        </p:txBody>
+      </p:sp>
+      <p:sp>
+        <p:nvSpPr>
+          <p:cNvPr id="18" name="Rounded Rectangle 17"/>
+          <p:cNvSpPr/>
+          <p:nvPr/>
+        </p:nvSpPr>
+        <p:spPr>
+          <a:xfrm>
+            <a:off x="3560090" y="4361646"/>
+            <a:ext cx="540000" cy="341644"/>
+          </a:xfrm>
+          <a:prstGeom prst="roundRect">
+            <a:avLst/>
+          </a:prstGeom>
+          <a:solidFill>
+            <a:schemeClr val="accent4">
+              <a:lumMod val="75000"/>
+            </a:schemeClr>
+          </a:solidFill>
+          <a:ln w="12700">
+            <a:solidFill>
+              <a:schemeClr val="bg2"/>
+            </a:solidFill>
+          </a:ln>
+          <a:effectLst>
+            <a:outerShdw blurRad="76200" dist="50800" dir="5400000" algn="ctr" rotWithShape="0">
+              <a:srgbClr val="000000">
+                <a:alpha val="27000"/>
+              </a:srgbClr>
+            </a:outerShdw>
+          </a:effectLst>
+        </p:spPr>
+        <p:style>
+          <a:lnRef idx="2">
+            <a:schemeClr val="accent1">
+              <a:shade val="50000"/>
+            </a:schemeClr>
+          </a:lnRef>
+          <a:fillRef idx="1">
+            <a:schemeClr val="accent1"/>
+          </a:fillRef>
+          <a:effectRef idx="0">
+            <a:schemeClr val="accent1"/>
+          </a:effectRef>
+          <a:fontRef idx="minor">
+            <a:schemeClr val="lt1"/>
+          </a:fontRef>
+        </p:style>
+        <p:txBody>
+          <a:bodyPr rtlCol="0" anchor="ctr"/>
+          <a:lstStyle/>
+          <a:p>
+            <a:pPr algn="ctr"/>
+            <a:r>
+              <a:rPr lang="en-US" altLang="zh-CN" sz="1000" dirty="0" smtClean="0"/>
+              <a:t>Linux</a:t>
+            </a:r>
+            <a:endParaRPr lang="zh-CN" altLang="en-US" sz="1000" dirty="0" smtClean="0"/>
+          </a:p>
+        </p:txBody>
+      </p:sp>
+      <p:sp>
+        <p:nvSpPr>
+          <p:cNvPr id="19" name="Rounded Rectangle 18"/>
+          <p:cNvSpPr/>
+          <p:nvPr/>
+        </p:nvSpPr>
+        <p:spPr>
+          <a:xfrm>
+            <a:off x="4381737" y="3288256"/>
+            <a:ext cx="540000" cy="341644"/>
+          </a:xfrm>
+          <a:prstGeom prst="roundRect">
+            <a:avLst/>
+          </a:prstGeom>
+          <a:solidFill>
+            <a:schemeClr val="accent2">
+              <a:lumMod val="50000"/>
+            </a:schemeClr>
+          </a:solidFill>
+          <a:ln w="12700">
+            <a:solidFill>
+              <a:schemeClr val="bg2"/>
+            </a:solidFill>
+          </a:ln>
+          <a:effectLst>
+            <a:outerShdw blurRad="76200" dist="50800" dir="5400000" algn="ctr" rotWithShape="0">
+              <a:srgbClr val="000000">
+                <a:alpha val="27000"/>
+              </a:srgbClr>
+            </a:outerShdw>
+          </a:effectLst>
+        </p:spPr>
+        <p:style>
+          <a:lnRef idx="2">
+            <a:schemeClr val="accent1">
+              <a:shade val="50000"/>
+            </a:schemeClr>
+          </a:lnRef>
+          <a:fillRef idx="1">
+            <a:schemeClr val="accent1"/>
+          </a:fillRef>
+          <a:effectRef idx="0">
+            <a:schemeClr val="accent1"/>
+          </a:effectRef>
+          <a:fontRef idx="minor">
+            <a:schemeClr val="lt1"/>
+          </a:fontRef>
+        </p:style>
+        <p:txBody>
+          <a:bodyPr rtlCol="0" anchor="ctr"/>
+          <a:lstStyle/>
+          <a:p>
+            <a:pPr algn="ctr"/>
+            <a:r>
+              <a:rPr lang="en-US" altLang="zh-CN" sz="1000" dirty="0" smtClean="0"/>
+              <a:t>Win</a:t>
+            </a:r>
+            <a:endParaRPr lang="zh-CN" altLang="en-US" sz="1000" dirty="0" smtClean="0"/>
+          </a:p>
+        </p:txBody>
+      </p:sp>
+      <p:sp>
+        <p:nvSpPr>
+          <p:cNvPr id="20" name="Rounded Rectangle 19"/>
+          <p:cNvSpPr/>
+          <p:nvPr/>
+        </p:nvSpPr>
+        <p:spPr>
+          <a:xfrm>
+            <a:off x="4947674" y="3288256"/>
+            <a:ext cx="540000" cy="341644"/>
+          </a:xfrm>
+          <a:prstGeom prst="roundRect">
+            <a:avLst/>
+          </a:prstGeom>
+          <a:solidFill>
+            <a:schemeClr val="accent2">
+              <a:lumMod val="75000"/>
+            </a:schemeClr>
+          </a:solidFill>
+          <a:ln w="12700">
+            <a:solidFill>
+              <a:schemeClr val="bg2"/>
+            </a:solidFill>
+          </a:ln>
+          <a:effectLst>
+            <a:outerShdw blurRad="76200" dist="50800" dir="5400000" algn="ctr" rotWithShape="0">
+              <a:srgbClr val="000000">
+                <a:alpha val="27000"/>
+              </a:srgbClr>
+            </a:outerShdw>
+          </a:effectLst>
+        </p:spPr>
+        <p:style>
+          <a:lnRef idx="2">
+            <a:schemeClr val="accent1">
+              <a:shade val="50000"/>
+            </a:schemeClr>
+          </a:lnRef>
+          <a:fillRef idx="1">
+            <a:schemeClr val="accent1"/>
+          </a:fillRef>
+          <a:effectRef idx="0">
+            <a:schemeClr val="accent1"/>
+          </a:effectRef>
+          <a:fontRef idx="minor">
+            <a:schemeClr val="lt1"/>
+          </a:fontRef>
+        </p:style>
+        <p:txBody>
+          <a:bodyPr rtlCol="0" anchor="ctr"/>
+          <a:lstStyle/>
+          <a:p>
+            <a:pPr algn="ctr"/>
+            <a:r>
+              <a:rPr lang="en-US" altLang="zh-CN" sz="1000" dirty="0" smtClean="0"/>
+              <a:t>Mac</a:t>
+            </a:r>
+            <a:endParaRPr lang="zh-CN" altLang="en-US" sz="1000" dirty="0" smtClean="0"/>
+          </a:p>
+        </p:txBody>
+      </p:sp>
+      <p:sp>
+        <p:nvSpPr>
+          <p:cNvPr id="21" name="Rounded Rectangle 20"/>
+          <p:cNvSpPr/>
+          <p:nvPr/>
+        </p:nvSpPr>
+        <p:spPr>
+          <a:xfrm>
+            <a:off x="5517818" y="3288256"/>
+            <a:ext cx="540000" cy="341644"/>
+          </a:xfrm>
+          <a:prstGeom prst="roundRect">
+            <a:avLst/>
+          </a:prstGeom>
+          <a:solidFill>
+            <a:schemeClr val="accent4">
+              <a:lumMod val="75000"/>
+            </a:schemeClr>
+          </a:solidFill>
+          <a:ln w="12700">
+            <a:solidFill>
+              <a:schemeClr val="bg2"/>
+            </a:solidFill>
+          </a:ln>
+          <a:effectLst>
+            <a:outerShdw blurRad="76200" dist="50800" dir="5400000" algn="ctr" rotWithShape="0">
+              <a:srgbClr val="000000">
+                <a:alpha val="27000"/>
+              </a:srgbClr>
+            </a:outerShdw>
+          </a:effectLst>
+        </p:spPr>
+        <p:style>
+          <a:lnRef idx="2">
+            <a:schemeClr val="accent1">
+              <a:shade val="50000"/>
+            </a:schemeClr>
+          </a:lnRef>
+          <a:fillRef idx="1">
+            <a:schemeClr val="accent1"/>
+          </a:fillRef>
+          <a:effectRef idx="0">
+            <a:schemeClr val="accent1"/>
+          </a:effectRef>
+          <a:fontRef idx="minor">
+            <a:schemeClr val="lt1"/>
+          </a:fontRef>
+        </p:style>
+        <p:txBody>
+          <a:bodyPr rtlCol="0" anchor="ctr"/>
+          <a:lstStyle/>
+          <a:p>
+            <a:pPr algn="ctr"/>
+            <a:r>
+              <a:rPr lang="en-US" altLang="zh-CN" sz="1000" dirty="0" smtClean="0"/>
+              <a:t>Linux</a:t>
+            </a:r>
+            <a:endParaRPr lang="zh-CN" altLang="en-US" sz="1000" dirty="0" smtClean="0"/>
+          </a:p>
+        </p:txBody>
+      </p:sp>
+      <p:sp>
+        <p:nvSpPr>
+          <p:cNvPr id="22" name="矩形 113"/>
+          <p:cNvSpPr/>
+          <p:nvPr/>
+        </p:nvSpPr>
+        <p:spPr>
+          <a:xfrm>
+            <a:off x="4381736" y="2665675"/>
+            <a:ext cx="1676081" cy="581137"/>
+          </a:xfrm>
+          <a:prstGeom prst="rect">
+            <a:avLst/>
+          </a:prstGeom>
+          <a:solidFill>
+            <a:schemeClr val="accent6"/>
+          </a:solidFill>
+          <a:ln w="12700">
+            <a:solidFill>
+              <a:schemeClr val="bg1"/>
+            </a:solidFill>
+          </a:ln>
+          <a:effectLst>
+            <a:outerShdw blurRad="76200" dist="50800" dir="5400000" algn="ctr" rotWithShape="0">
+              <a:srgbClr val="000000">
+                <a:alpha val="27000"/>
+              </a:srgbClr>
+            </a:outerShdw>
+          </a:effectLst>
+        </p:spPr>
+        <p:style>
+          <a:lnRef idx="2">
+            <a:schemeClr val="accent1">
+              <a:shade val="50000"/>
+            </a:schemeClr>
+          </a:lnRef>
+          <a:fillRef idx="1">
+            <a:schemeClr val="accent1"/>
+          </a:fillRef>
+          <a:effectRef idx="0">
+            <a:schemeClr val="accent1"/>
+          </a:effectRef>
+          <a:fontRef idx="minor">
+            <a:schemeClr val="lt1"/>
+          </a:fontRef>
+        </p:style>
+        <p:txBody>
+          <a:bodyPr wrap="square" rtlCol="0" anchor="ctr"/>
+          <a:lstStyle/>
+          <a:p>
+            <a:pPr algn="ctr"/>
+            <a:r>
+              <a:rPr lang="en-US" altLang="zh-CN" sz="900" dirty="0" smtClean="0"/>
+              <a:t>Application</a:t>
+            </a:r>
+          </a:p>
+          <a:p>
+            <a:pPr algn="ctr"/>
+            <a:r>
+              <a:rPr lang="en-US" altLang="zh-CN" sz="900" dirty="0" smtClean="0"/>
+              <a:t>Sharing</a:t>
+            </a:r>
+            <a:endParaRPr lang="zh-CN" altLang="en-US" sz="900" dirty="0" smtClean="0"/>
+          </a:p>
+        </p:txBody>
+      </p:sp>
+      <p:sp>
+        <p:nvSpPr>
+          <p:cNvPr id="23" name="矩形 113"/>
+          <p:cNvSpPr/>
+          <p:nvPr/>
+        </p:nvSpPr>
+        <p:spPr>
+          <a:xfrm>
+            <a:off x="4366281" y="3717168"/>
+            <a:ext cx="1713918" cy="580721"/>
+          </a:xfrm>
+          <a:prstGeom prst="rect">
+            <a:avLst/>
+          </a:prstGeom>
+          <a:solidFill>
+            <a:schemeClr val="accent6"/>
+          </a:solidFill>
+          <a:ln w="12700">
+            <a:solidFill>
+              <a:schemeClr val="bg1"/>
+            </a:solidFill>
+          </a:ln>
+          <a:effectLst>
+            <a:outerShdw blurRad="76200" dist="50800" dir="5400000" algn="ctr" rotWithShape="0">
+              <a:srgbClr val="000000">
+                <a:alpha val="27000"/>
+              </a:srgbClr>
+            </a:outerShdw>
+          </a:effectLst>
+        </p:spPr>
+        <p:style>
+          <a:lnRef idx="2">
+            <a:schemeClr val="accent1">
+              <a:shade val="50000"/>
+            </a:schemeClr>
+          </a:lnRef>
+          <a:fillRef idx="1">
+            <a:schemeClr val="accent1"/>
+          </a:fillRef>
+          <a:effectRef idx="0">
+            <a:schemeClr val="accent1"/>
+          </a:effectRef>
+          <a:fontRef idx="minor">
+            <a:schemeClr val="lt1"/>
+          </a:fontRef>
+        </p:style>
+        <p:txBody>
+          <a:bodyPr wrap="square" rtlCol="0" anchor="ctr"/>
+          <a:lstStyle/>
+          <a:p>
+            <a:pPr algn="ctr"/>
+            <a:r>
+              <a:rPr lang="en-US" altLang="zh-CN" sz="900" dirty="0" smtClean="0"/>
+              <a:t>Application</a:t>
+            </a:r>
+          </a:p>
+          <a:p>
+            <a:pPr algn="ctr"/>
+            <a:r>
+              <a:rPr lang="en-US" altLang="zh-CN" sz="900" dirty="0" smtClean="0"/>
+              <a:t>Enumerate</a:t>
+            </a:r>
+            <a:endParaRPr lang="zh-CN" altLang="en-US" sz="900" dirty="0" smtClean="0"/>
+          </a:p>
+        </p:txBody>
+      </p:sp>
+      <p:sp>
+        <p:nvSpPr>
+          <p:cNvPr id="24" name="Rounded Rectangle 23"/>
+          <p:cNvSpPr/>
+          <p:nvPr/>
+        </p:nvSpPr>
+        <p:spPr>
+          <a:xfrm>
+            <a:off x="4404118" y="4339333"/>
+            <a:ext cx="540000" cy="341644"/>
+          </a:xfrm>
+          <a:prstGeom prst="roundRect">
+            <a:avLst/>
+          </a:prstGeom>
+          <a:solidFill>
+            <a:schemeClr val="accent2">
+              <a:lumMod val="50000"/>
+            </a:schemeClr>
+          </a:solidFill>
+          <a:ln w="12700">
+            <a:solidFill>
+              <a:schemeClr val="bg2"/>
+            </a:solidFill>
+          </a:ln>
+          <a:effectLst>
+            <a:outerShdw blurRad="76200" dist="50800" dir="5400000" algn="ctr" rotWithShape="0">
+              <a:srgbClr val="000000">
+                <a:alpha val="27000"/>
+              </a:srgbClr>
+            </a:outerShdw>
+          </a:effectLst>
+        </p:spPr>
+        <p:style>
+          <a:lnRef idx="2">
+            <a:schemeClr val="accent1">
+              <a:shade val="50000"/>
+            </a:schemeClr>
+          </a:lnRef>
+          <a:fillRef idx="1">
+            <a:schemeClr val="accent1"/>
+          </a:fillRef>
+          <a:effectRef idx="0">
+            <a:schemeClr val="accent1"/>
+          </a:effectRef>
+          <a:fontRef idx="minor">
+            <a:schemeClr val="lt1"/>
+          </a:fontRef>
+        </p:style>
+        <p:txBody>
+          <a:bodyPr rtlCol="0" anchor="ctr"/>
+          <a:lstStyle/>
+          <a:p>
+            <a:pPr algn="ctr"/>
+            <a:r>
+              <a:rPr lang="en-US" altLang="zh-CN" sz="1000" dirty="0" smtClean="0"/>
+              <a:t>Win</a:t>
+            </a:r>
+            <a:endParaRPr lang="zh-CN" altLang="en-US" sz="1000" dirty="0" smtClean="0"/>
+          </a:p>
+        </p:txBody>
+      </p:sp>
+      <p:sp>
+        <p:nvSpPr>
+          <p:cNvPr id="25" name="Rounded Rectangle 24"/>
+          <p:cNvSpPr/>
+          <p:nvPr/>
+        </p:nvSpPr>
+        <p:spPr>
+          <a:xfrm>
+            <a:off x="4970055" y="4339333"/>
+            <a:ext cx="540000" cy="341644"/>
+          </a:xfrm>
+          <a:prstGeom prst="roundRect">
+            <a:avLst/>
+          </a:prstGeom>
+          <a:solidFill>
+            <a:schemeClr val="accent2">
+              <a:lumMod val="75000"/>
+            </a:schemeClr>
+          </a:solidFill>
+          <a:ln w="12700">
+            <a:solidFill>
+              <a:schemeClr val="bg2"/>
+            </a:solidFill>
+          </a:ln>
+          <a:effectLst>
+            <a:outerShdw blurRad="76200" dist="50800" dir="5400000" algn="ctr" rotWithShape="0">
+              <a:srgbClr val="000000">
+                <a:alpha val="27000"/>
+              </a:srgbClr>
+            </a:outerShdw>
+          </a:effectLst>
+        </p:spPr>
+        <p:style>
+          <a:lnRef idx="2">
+            <a:schemeClr val="accent1">
+              <a:shade val="50000"/>
+            </a:schemeClr>
+          </a:lnRef>
+          <a:fillRef idx="1">
+            <a:schemeClr val="accent1"/>
+          </a:fillRef>
+          <a:effectRef idx="0">
+            <a:schemeClr val="accent1"/>
+          </a:effectRef>
+          <a:fontRef idx="minor">
+            <a:schemeClr val="lt1"/>
+          </a:fontRef>
+        </p:style>
+        <p:txBody>
+          <a:bodyPr rtlCol="0" anchor="ctr"/>
+          <a:lstStyle/>
+          <a:p>
+            <a:pPr algn="ctr"/>
+            <a:r>
+              <a:rPr lang="en-US" altLang="zh-CN" sz="1000" dirty="0" smtClean="0"/>
+              <a:t>Mac</a:t>
+            </a:r>
+            <a:endParaRPr lang="zh-CN" altLang="en-US" sz="1000" dirty="0" smtClean="0"/>
+          </a:p>
+        </p:txBody>
+      </p:sp>
+      <p:sp>
+        <p:nvSpPr>
+          <p:cNvPr id="26" name="Rounded Rectangle 25"/>
+          <p:cNvSpPr/>
+          <p:nvPr/>
+        </p:nvSpPr>
+        <p:spPr>
+          <a:xfrm>
+            <a:off x="5540199" y="4339333"/>
+            <a:ext cx="540000" cy="341644"/>
+          </a:xfrm>
+          <a:prstGeom prst="roundRect">
+            <a:avLst/>
+          </a:prstGeom>
+          <a:solidFill>
+            <a:schemeClr val="accent4">
+              <a:lumMod val="75000"/>
+            </a:schemeClr>
+          </a:solidFill>
+          <a:ln w="12700">
+            <a:solidFill>
+              <a:schemeClr val="bg2"/>
+            </a:solidFill>
+          </a:ln>
+          <a:effectLst>
+            <a:outerShdw blurRad="76200" dist="50800" dir="5400000" algn="ctr" rotWithShape="0">
+              <a:srgbClr val="000000">
+                <a:alpha val="27000"/>
+              </a:srgbClr>
+            </a:outerShdw>
+          </a:effectLst>
+        </p:spPr>
+        <p:style>
+          <a:lnRef idx="2">
+            <a:schemeClr val="accent1">
+              <a:shade val="50000"/>
+            </a:schemeClr>
+          </a:lnRef>
+          <a:fillRef idx="1">
+            <a:schemeClr val="accent1"/>
+          </a:fillRef>
+          <a:effectRef idx="0">
+            <a:schemeClr val="accent1"/>
+          </a:effectRef>
+          <a:fontRef idx="minor">
+            <a:schemeClr val="lt1"/>
+          </a:fontRef>
+        </p:style>
+        <p:txBody>
+          <a:bodyPr rtlCol="0" anchor="ctr"/>
+          <a:lstStyle/>
+          <a:p>
+            <a:pPr algn="ctr"/>
+            <a:r>
+              <a:rPr lang="en-US" altLang="zh-CN" sz="1000" dirty="0" smtClean="0"/>
+              <a:t>Linux</a:t>
+            </a:r>
+            <a:endParaRPr lang="zh-CN" altLang="en-US" sz="1000" dirty="0" smtClean="0"/>
+          </a:p>
+        </p:txBody>
+      </p:sp>
+      <p:sp>
+        <p:nvSpPr>
+          <p:cNvPr id="28" name="矩形 113"/>
+          <p:cNvSpPr/>
+          <p:nvPr/>
+        </p:nvSpPr>
+        <p:spPr>
+          <a:xfrm>
+            <a:off x="2437043" y="2096173"/>
+            <a:ext cx="1656000" cy="360000"/>
+          </a:xfrm>
+          <a:prstGeom prst="rect">
+            <a:avLst/>
+          </a:prstGeom>
+          <a:solidFill>
+            <a:schemeClr val="accent6"/>
+          </a:solidFill>
+          <a:ln w="12700">
+            <a:solidFill>
+              <a:schemeClr val="bg1"/>
+            </a:solidFill>
+          </a:ln>
+          <a:effectLst>
+            <a:outerShdw blurRad="76200" dist="50800" dir="5400000" algn="ctr" rotWithShape="0">
+              <a:srgbClr val="000000">
+                <a:alpha val="27000"/>
+              </a:srgbClr>
+            </a:outerShdw>
+          </a:effectLst>
+        </p:spPr>
+        <p:style>
+          <a:lnRef idx="2">
+            <a:schemeClr val="accent1">
+              <a:shade val="50000"/>
+            </a:schemeClr>
+          </a:lnRef>
+          <a:fillRef idx="1">
+            <a:schemeClr val="accent1"/>
+          </a:fillRef>
+          <a:effectRef idx="0">
+            <a:schemeClr val="accent1"/>
+          </a:effectRef>
+          <a:fontRef idx="minor">
+            <a:schemeClr val="lt1"/>
+          </a:fontRef>
+        </p:style>
+        <p:txBody>
+          <a:bodyPr wrap="square" rtlCol="0" anchor="ctr"/>
+          <a:lstStyle/>
+          <a:p>
+            <a:pPr algn="ctr"/>
+            <a:r>
+              <a:rPr lang="en-US" altLang="zh-CN" sz="900" dirty="0" smtClean="0"/>
+              <a:t>Screen Capturer</a:t>
+            </a:r>
+            <a:endParaRPr lang="zh-CN" altLang="en-US" sz="900" dirty="0" smtClean="0"/>
+          </a:p>
+        </p:txBody>
+      </p:sp>
+      <p:sp>
+        <p:nvSpPr>
+          <p:cNvPr id="29" name="矩形 113"/>
+          <p:cNvSpPr/>
+          <p:nvPr/>
+        </p:nvSpPr>
+        <p:spPr>
+          <a:xfrm>
+            <a:off x="4401181" y="2107121"/>
+            <a:ext cx="1656000" cy="360000"/>
+          </a:xfrm>
+          <a:prstGeom prst="rect">
+            <a:avLst/>
+          </a:prstGeom>
+          <a:solidFill>
+            <a:schemeClr val="accent6"/>
+          </a:solidFill>
+          <a:ln w="12700">
+            <a:solidFill>
+              <a:schemeClr val="bg1"/>
+            </a:solidFill>
+          </a:ln>
+          <a:effectLst>
+            <a:outerShdw blurRad="76200" dist="50800" dir="5400000" algn="ctr" rotWithShape="0">
+              <a:srgbClr val="000000">
+                <a:alpha val="27000"/>
+              </a:srgbClr>
+            </a:outerShdw>
+          </a:effectLst>
+        </p:spPr>
+        <p:style>
+          <a:lnRef idx="2">
+            <a:schemeClr val="accent1">
+              <a:shade val="50000"/>
+            </a:schemeClr>
+          </a:lnRef>
+          <a:fillRef idx="1">
+            <a:schemeClr val="accent1"/>
+          </a:fillRef>
+          <a:effectRef idx="0">
+            <a:schemeClr val="accent1"/>
+          </a:effectRef>
+          <a:fontRef idx="minor">
+            <a:schemeClr val="lt1"/>
+          </a:fontRef>
+        </p:style>
+        <p:txBody>
+          <a:bodyPr wrap="square" rtlCol="0" anchor="ctr"/>
+          <a:lstStyle/>
+          <a:p>
+            <a:pPr algn="ctr"/>
+            <a:r>
+              <a:rPr lang="en-US" altLang="zh-CN" sz="900" dirty="0" smtClean="0"/>
+              <a:t>App Capturer</a:t>
+            </a:r>
+            <a:endParaRPr lang="zh-CN" altLang="en-US" sz="900" dirty="0" smtClean="0"/>
+          </a:p>
+        </p:txBody>
+      </p:sp>
+      <p:sp>
+        <p:nvSpPr>
+          <p:cNvPr id="30" name="矩形 113"/>
+          <p:cNvSpPr/>
+          <p:nvPr/>
+        </p:nvSpPr>
+        <p:spPr>
+          <a:xfrm>
+            <a:off x="2441319" y="1596246"/>
+            <a:ext cx="3623663" cy="360000"/>
+          </a:xfrm>
+          <a:prstGeom prst="rect">
+            <a:avLst/>
+          </a:prstGeom>
+          <a:solidFill>
+            <a:schemeClr val="accent6"/>
+          </a:solidFill>
+          <a:ln w="12700">
+            <a:solidFill>
+              <a:schemeClr val="bg1"/>
+            </a:solidFill>
+          </a:ln>
+          <a:effectLst>
+            <a:outerShdw blurRad="76200" dist="50800" dir="5400000" algn="ctr" rotWithShape="0">
+              <a:srgbClr val="000000">
+                <a:alpha val="27000"/>
+              </a:srgbClr>
+            </a:outerShdw>
+          </a:effectLst>
+        </p:spPr>
+        <p:style>
+          <a:lnRef idx="2">
+            <a:schemeClr val="accent1">
+              <a:shade val="50000"/>
+            </a:schemeClr>
+          </a:lnRef>
+          <a:fillRef idx="1">
+            <a:schemeClr val="accent1"/>
+          </a:fillRef>
+          <a:effectRef idx="0">
+            <a:schemeClr val="accent1"/>
+          </a:effectRef>
+          <a:fontRef idx="minor">
+            <a:schemeClr val="lt1"/>
+          </a:fontRef>
+        </p:style>
+        <p:txBody>
+          <a:bodyPr wrap="square" rtlCol="0" anchor="ctr"/>
+          <a:lstStyle/>
+          <a:p>
+            <a:pPr algn="ctr"/>
+            <a:r>
+              <a:rPr lang="en-US" altLang="zh-CN" sz="900" dirty="0" smtClean="0"/>
+              <a:t>Video Engine</a:t>
+            </a:r>
+            <a:endParaRPr lang="zh-CN" altLang="en-US" sz="900" dirty="0" smtClean="0"/>
+          </a:p>
+        </p:txBody>
+      </p:sp>
+      <p:sp>
+        <p:nvSpPr>
+          <p:cNvPr id="34" name="矩形 113"/>
+          <p:cNvSpPr/>
+          <p:nvPr/>
+        </p:nvSpPr>
+        <p:spPr>
+          <a:xfrm>
+            <a:off x="2380736" y="4878315"/>
+            <a:ext cx="1711157" cy="280736"/>
+          </a:xfrm>
+          <a:prstGeom prst="rect">
+            <a:avLst/>
+          </a:prstGeom>
+          <a:solidFill>
+            <a:schemeClr val="accent6"/>
+          </a:solidFill>
+          <a:ln w="12700">
+            <a:solidFill>
+              <a:schemeClr val="bg1"/>
+            </a:solidFill>
+          </a:ln>
+          <a:effectLst>
+            <a:outerShdw blurRad="76200" dist="50800" dir="5400000" algn="ctr" rotWithShape="0">
+              <a:srgbClr val="000000">
+                <a:alpha val="27000"/>
+              </a:srgbClr>
+            </a:outerShdw>
+          </a:effectLst>
+        </p:spPr>
+        <p:style>
+          <a:lnRef idx="2">
+            <a:schemeClr val="accent1">
+              <a:shade val="50000"/>
+            </a:schemeClr>
+          </a:lnRef>
+          <a:fillRef idx="1">
+            <a:schemeClr val="accent1"/>
+          </a:fillRef>
+          <a:effectRef idx="0">
+            <a:schemeClr val="accent1"/>
+          </a:effectRef>
+          <a:fontRef idx="minor">
+            <a:schemeClr val="lt1"/>
+          </a:fontRef>
+        </p:style>
+        <p:txBody>
+          <a:bodyPr wrap="square" rtlCol="0" anchor="ctr"/>
+          <a:lstStyle/>
+          <a:p>
+            <a:pPr algn="ctr"/>
+            <a:r>
+              <a:rPr lang="en-US" altLang="zh-CN" sz="900" dirty="0" err="1" smtClean="0"/>
+              <a:t>Mulit</a:t>
+            </a:r>
+            <a:r>
+              <a:rPr lang="en-US" altLang="zh-CN" sz="900" dirty="0" smtClean="0"/>
+              <a:t>-Display Support</a:t>
+            </a:r>
+            <a:endParaRPr lang="zh-CN" altLang="en-US" sz="900" dirty="0" smtClean="0"/>
+          </a:p>
+        </p:txBody>
+      </p:sp>
+      <p:sp>
+        <p:nvSpPr>
+          <p:cNvPr id="35" name="Rounded Rectangle 34"/>
+          <p:cNvSpPr/>
+          <p:nvPr/>
+        </p:nvSpPr>
+        <p:spPr>
+          <a:xfrm>
+            <a:off x="2407462" y="5221306"/>
+            <a:ext cx="540000" cy="341644"/>
+          </a:xfrm>
+          <a:prstGeom prst="roundRect">
+            <a:avLst/>
+          </a:prstGeom>
+          <a:solidFill>
+            <a:schemeClr val="accent2">
+              <a:lumMod val="50000"/>
+            </a:schemeClr>
+          </a:solidFill>
+          <a:ln w="12700">
+            <a:solidFill>
+              <a:schemeClr val="bg2"/>
+            </a:solidFill>
+          </a:ln>
+          <a:effectLst>
+            <a:outerShdw blurRad="76200" dist="50800" dir="5400000" algn="ctr" rotWithShape="0">
+              <a:srgbClr val="000000">
+                <a:alpha val="27000"/>
+              </a:srgbClr>
+            </a:outerShdw>
+          </a:effectLst>
+        </p:spPr>
+        <p:style>
+          <a:lnRef idx="2">
+            <a:schemeClr val="accent1">
+              <a:shade val="50000"/>
+            </a:schemeClr>
+          </a:lnRef>
+          <a:fillRef idx="1">
+            <a:schemeClr val="accent1"/>
+          </a:fillRef>
+          <a:effectRef idx="0">
+            <a:schemeClr val="accent1"/>
+          </a:effectRef>
+          <a:fontRef idx="minor">
+            <a:schemeClr val="lt1"/>
+          </a:fontRef>
+        </p:style>
+        <p:txBody>
+          <a:bodyPr rtlCol="0" anchor="ctr"/>
+          <a:lstStyle/>
+          <a:p>
+            <a:pPr algn="ctr"/>
+            <a:r>
+              <a:rPr lang="en-US" altLang="zh-CN" sz="1000" dirty="0" smtClean="0"/>
+              <a:t>Win</a:t>
+            </a:r>
+            <a:endParaRPr lang="zh-CN" altLang="en-US" sz="1000" dirty="0" smtClean="0"/>
+          </a:p>
+        </p:txBody>
+      </p:sp>
+      <p:sp>
+        <p:nvSpPr>
+          <p:cNvPr id="36" name="Rounded Rectangle 35"/>
+          <p:cNvSpPr/>
+          <p:nvPr/>
+        </p:nvSpPr>
+        <p:spPr>
+          <a:xfrm>
+            <a:off x="2973399" y="5221306"/>
+            <a:ext cx="540000" cy="341644"/>
+          </a:xfrm>
+          <a:prstGeom prst="roundRect">
+            <a:avLst/>
+          </a:prstGeom>
+          <a:solidFill>
+            <a:schemeClr val="accent2">
+              <a:lumMod val="75000"/>
+            </a:schemeClr>
+          </a:solidFill>
+          <a:ln w="12700">
+            <a:solidFill>
+              <a:schemeClr val="bg2"/>
+            </a:solidFill>
+          </a:ln>
+          <a:effectLst>
+            <a:outerShdw blurRad="76200" dist="50800" dir="5400000" algn="ctr" rotWithShape="0">
+              <a:srgbClr val="000000">
+                <a:alpha val="27000"/>
+              </a:srgbClr>
+            </a:outerShdw>
+          </a:effectLst>
+        </p:spPr>
+        <p:style>
+          <a:lnRef idx="2">
+            <a:schemeClr val="accent1">
+              <a:shade val="50000"/>
+            </a:schemeClr>
+          </a:lnRef>
+          <a:fillRef idx="1">
+            <a:schemeClr val="accent1"/>
+          </a:fillRef>
+          <a:effectRef idx="0">
+            <a:schemeClr val="accent1"/>
+          </a:effectRef>
+          <a:fontRef idx="minor">
+            <a:schemeClr val="lt1"/>
+          </a:fontRef>
+        </p:style>
+        <p:txBody>
+          <a:bodyPr rtlCol="0" anchor="ctr"/>
+          <a:lstStyle/>
+          <a:p>
+            <a:pPr algn="ctr"/>
+            <a:r>
+              <a:rPr lang="en-US" altLang="zh-CN" sz="1000" dirty="0" smtClean="0"/>
+              <a:t>Mac</a:t>
+            </a:r>
+            <a:endParaRPr lang="zh-CN" altLang="en-US" sz="1000" dirty="0" smtClean="0"/>
+          </a:p>
+        </p:txBody>
+      </p:sp>
+      <p:sp>
+        <p:nvSpPr>
+          <p:cNvPr id="37" name="Rounded Rectangle 36"/>
+          <p:cNvSpPr/>
+          <p:nvPr/>
+        </p:nvSpPr>
+        <p:spPr>
+          <a:xfrm>
+            <a:off x="3543543" y="5221306"/>
+            <a:ext cx="540000" cy="341644"/>
+          </a:xfrm>
+          <a:prstGeom prst="roundRect">
+            <a:avLst/>
+          </a:prstGeom>
+          <a:solidFill>
+            <a:schemeClr val="accent4">
+              <a:lumMod val="75000"/>
+            </a:schemeClr>
+          </a:solidFill>
+          <a:ln w="12700">
+            <a:solidFill>
+              <a:schemeClr val="bg2"/>
+            </a:solidFill>
+          </a:ln>
+          <a:effectLst>
+            <a:outerShdw blurRad="76200" dist="50800" dir="5400000" algn="ctr" rotWithShape="0">
+              <a:srgbClr val="000000">
+                <a:alpha val="27000"/>
+              </a:srgbClr>
+            </a:outerShdw>
+          </a:effectLst>
+        </p:spPr>
+        <p:style>
+          <a:lnRef idx="2">
+            <a:schemeClr val="accent1">
+              <a:shade val="50000"/>
+            </a:schemeClr>
+          </a:lnRef>
+          <a:fillRef idx="1">
+            <a:schemeClr val="accent1"/>
+          </a:fillRef>
+          <a:effectRef idx="0">
+            <a:schemeClr val="accent1"/>
+          </a:effectRef>
+          <a:fontRef idx="minor">
+            <a:schemeClr val="lt1"/>
+          </a:fontRef>
+        </p:style>
+        <p:txBody>
+          <a:bodyPr rtlCol="0" anchor="ctr"/>
+          <a:lstStyle/>
+          <a:p>
+            <a:pPr algn="ctr"/>
+            <a:r>
+              <a:rPr lang="en-US" altLang="zh-CN" sz="1000" dirty="0" smtClean="0"/>
+              <a:t>Linux</a:t>
+            </a:r>
+            <a:endParaRPr lang="zh-CN" altLang="en-US" sz="1000" dirty="0" smtClean="0"/>
+          </a:p>
+        </p:txBody>
+      </p:sp>
+      <p:sp>
+        <p:nvSpPr>
+          <p:cNvPr id="39" name="Rectangle 38"/>
+          <p:cNvSpPr/>
+          <p:nvPr/>
+        </p:nvSpPr>
+        <p:spPr>
+          <a:xfrm>
+            <a:off x="2288052" y="1565666"/>
+            <a:ext cx="3875458" cy="952538"/>
+          </a:xfrm>
+          <a:prstGeom prst="rect">
+            <a:avLst/>
+          </a:prstGeom>
+          <a:solidFill>
+            <a:srgbClr val="0096D6">
+              <a:alpha val="33000"/>
+            </a:srgbClr>
+          </a:solidFill>
+          <a:ln>
+            <a:noFill/>
+          </a:ln>
+          <a:effectLst>
+            <a:outerShdw blurRad="76200" dist="50800" dir="5400000" algn="ctr" rotWithShape="0">
+              <a:srgbClr val="000000">
+                <a:alpha val="27000"/>
+              </a:srgbClr>
+            </a:outerShdw>
+          </a:effectLst>
+        </p:spPr>
+        <p:style>
+          <a:lnRef idx="2">
+            <a:schemeClr val="accent1">
+              <a:shade val="50000"/>
+            </a:schemeClr>
+          </a:lnRef>
+          <a:fillRef idx="1">
+            <a:schemeClr val="accent1"/>
+          </a:fillRef>
+          <a:effectRef idx="0">
+            <a:schemeClr val="accent1"/>
+          </a:effectRef>
+          <a:fontRef idx="minor">
+            <a:schemeClr val="lt1"/>
+          </a:fontRef>
+        </p:style>
+        <p:txBody>
+          <a:bodyPr rtlCol="0" anchor="ctr"/>
+          <a:lstStyle/>
+          <a:p>
+            <a:pPr algn="ctr"/>
+            <a:endParaRPr lang="zh-CN" altLang="en-US" dirty="0" smtClean="0"/>
+          </a:p>
+        </p:txBody>
+      </p:sp>
+      <p:sp>
+        <p:nvSpPr>
+          <p:cNvPr id="40" name="Rectangle 39"/>
+          <p:cNvSpPr/>
+          <p:nvPr/>
+        </p:nvSpPr>
+        <p:spPr>
+          <a:xfrm>
+            <a:off x="2288053" y="2504415"/>
+            <a:ext cx="1968465" cy="2203531"/>
+          </a:xfrm>
+          <a:prstGeom prst="rect">
+            <a:avLst/>
+          </a:prstGeom>
+          <a:solidFill>
+            <a:schemeClr val="bg1">
+              <a:lumMod val="50000"/>
+              <a:alpha val="77000"/>
+            </a:schemeClr>
+          </a:solidFill>
+          <a:ln>
+            <a:noFill/>
+          </a:ln>
+          <a:effectLst>
+            <a:outerShdw blurRad="76200" dist="50800" dir="5400000" algn="ctr" rotWithShape="0">
+              <a:srgbClr val="000000">
+                <a:alpha val="27000"/>
+              </a:srgbClr>
+            </a:outerShdw>
+          </a:effectLst>
+        </p:spPr>
+        <p:style>
+          <a:lnRef idx="2">
+            <a:schemeClr val="accent1">
+              <a:shade val="50000"/>
+            </a:schemeClr>
+          </a:lnRef>
+          <a:fillRef idx="1">
+            <a:schemeClr val="accent1"/>
+          </a:fillRef>
+          <a:effectRef idx="0">
+            <a:schemeClr val="accent1"/>
+          </a:effectRef>
+          <a:fontRef idx="minor">
+            <a:schemeClr val="lt1"/>
+          </a:fontRef>
+        </p:style>
+        <p:txBody>
+          <a:bodyPr rtlCol="0" anchor="ctr"/>
+          <a:lstStyle/>
+          <a:p>
+            <a:pPr algn="ctr"/>
+            <a:endParaRPr lang="zh-CN" altLang="en-US" dirty="0" smtClean="0"/>
           </a:p>
         </p:txBody>
       </p:sp>
     </p:spTree>
     <p:extLst>
       <p:ext uri="{BB962C8B-B14F-4D97-AF65-F5344CB8AC3E}">
-        <p14:creationId xmlns:p14="http://schemas.microsoft.com/office/powerpoint/2010/main" val="1037614364"/>
+        <p14:creationId xmlns:p14="http://schemas.microsoft.com/office/powerpoint/2010/main" val="2717726910"/>
       </p:ext>
     </p:extLst>
   </p:cSld>
   <p:clrMapOvr>
     <a:masterClrMapping/>
   </p:clrMapOvr>
-  <p:transition>
+  <p:transition xmlns:p14="http://schemas.microsoft.com/office/powerpoint/2010/main">
     <p:wipe dir="r"/>
   </p:transition>
+  <p:timing>
+    <p:tnLst>
+      <p:par>
+        <p:cTn xmlns:p14="http://schemas.microsoft.com/office/powerpoint/2010/main" id="1" dur="indefinite" restart="never" nodeType="tmRoot">
+          <p:childTnLst>
+            <p:seq concurrent="1" nextAc="seek">
+              <p:cTn id="2" dur="indefinite" nodeType="mainSeq">
+                <p:childTnLst>
+                  <p:par>
+                    <p:cTn id="3" fill="hold">
+                      <p:stCondLst>
+                        <p:cond delay="indefinite"/>
+                      </p:stCondLst>
+                      <p:childTnLst>
+                        <p:par>
+                          <p:cTn id="4" fill="hold">
+                            <p:stCondLst>
+                              <p:cond delay="0"/>
+                            </p:stCondLst>
+                            <p:childTnLst>
+                              <p:par>
+                                <p:cTn id="5" presetID="1" presetClass="entr" presetSubtype="0" fill="hold" grpId="0" nodeType="clickEffect">
+                                  <p:stCondLst>
+                                    <p:cond delay="0"/>
+                                  </p:stCondLst>
+                                  <p:childTnLst>
+                                    <p:set>
+                                      <p:cBhvr>
+                                        <p:cTn id="6" dur="1" fill="hold">
+                                          <p:stCondLst>
+                                            <p:cond delay="0"/>
+                                          </p:stCondLst>
+                                        </p:cTn>
+                                        <p:tgtEl>
+                                          <p:spTgt spid="40"/>
+                                        </p:tgtEl>
+                                        <p:attrNameLst>
+                                          <p:attrName>style.visibility</p:attrName>
+                                        </p:attrNameLst>
+                                      </p:cBhvr>
+                                      <p:to>
+                                        <p:strVal val="visible"/>
+                                      </p:to>
+                                    </p:set>
+                                  </p:childTnLst>
+                                </p:cTn>
+                              </p:par>
+                            </p:childTnLst>
+                          </p:cTn>
+                        </p:par>
+                      </p:childTnLst>
+                    </p:cTn>
+                  </p:par>
+                  <p:par>
+                    <p:cTn id="7" fill="hold">
+                      <p:stCondLst>
+                        <p:cond delay="indefinite"/>
+                      </p:stCondLst>
+                      <p:childTnLst>
+                        <p:par>
+                          <p:cTn id="8" fill="hold">
+                            <p:stCondLst>
+                              <p:cond delay="0"/>
+                            </p:stCondLst>
+                            <p:childTnLst>
+                              <p:par>
+                                <p:cTn id="9" presetID="1" presetClass="entr" presetSubtype="0" fill="hold" grpId="0" nodeType="clickEffect">
+                                  <p:stCondLst>
+                                    <p:cond delay="0"/>
+                                  </p:stCondLst>
+                                  <p:childTnLst>
+                                    <p:set>
+                                      <p:cBhvr>
+                                        <p:cTn id="10" dur="1" fill="hold">
+                                          <p:stCondLst>
+                                            <p:cond delay="0"/>
+                                          </p:stCondLst>
+                                        </p:cTn>
+                                        <p:tgtEl>
+                                          <p:spTgt spid="39"/>
+                                        </p:tgtEl>
+                                        <p:attrNameLst>
+                                          <p:attrName>style.visibility</p:attrName>
+                                        </p:attrNameLst>
+                                      </p:cBhvr>
+                                      <p:to>
+                                        <p:strVal val="visible"/>
+                                      </p:to>
+                                    </p:set>
+                                  </p:childTnLst>
+                                </p:cTn>
+                              </p:par>
+                            </p:childTnLst>
+                          </p:cTn>
+                        </p:par>
+                      </p:childTnLst>
+                    </p:cTn>
+                  </p:par>
+                </p:childTnLst>
+              </p:cTn>
+              <p:prevCondLst>
+                <p:cond evt="onPrev" delay="0">
+                  <p:tgtEl>
+                    <p:sldTgt/>
+                  </p:tgtEl>
+                </p:cond>
+              </p:prevCondLst>
+              <p:nextCondLst>
+                <p:cond evt="onNext" delay="0">
+                  <p:tgtEl>
+                    <p:sldTgt/>
+                  </p:tgtEl>
+                </p:cond>
+              </p:nextCondLst>
+            </p:seq>
+          </p:childTnLst>
+        </p:cTn>
+      </p:par>
+    </p:tnLst>
+    <p:bldLst>
+      <p:bldP spid="39" grpId="0" animBg="1"/>
+      <p:bldP spid="40" grpId="0" animBg="1"/>
+    </p:bldLst>
+  </p:timing>
 </p:sld>
 </file>
 
@@ -8798,7 +13843,7 @@
           <a:bodyPr/>
           <a:lstStyle/>
           <a:p>
-            <a:endParaRPr lang="zh-CN" altLang="en-US"/>
+            <a:endParaRPr lang="zh-CN" altLang="en-US" dirty="0"/>
           </a:p>
         </p:txBody>
       </p:sp>
@@ -8818,12 +13863,8 @@
           <a:lstStyle/>
           <a:p>
             <a:r>
-              <a:rPr lang="en-US" altLang="zh-CN" dirty="0"/>
-              <a:t>WebRTC </a:t>
-            </a:r>
-            <a:r>
               <a:rPr lang="en-US" altLang="zh-CN" dirty="0" smtClean="0"/>
-              <a:t>Desktop Capture</a:t>
+              <a:t>Mozilla::Dom</a:t>
             </a:r>
             <a:endParaRPr lang="zh-CN" altLang="en-US" dirty="0"/>
           </a:p>
@@ -8832,14 +13873,168 @@
     </p:spTree>
     <p:extLst>
       <p:ext uri="{BB962C8B-B14F-4D97-AF65-F5344CB8AC3E}">
-        <p14:creationId xmlns:p14="http://schemas.microsoft.com/office/powerpoint/2010/main" val="3562543083"/>
+        <p14:creationId xmlns:p14="http://schemas.microsoft.com/office/powerpoint/2010/main" val="928110006"/>
       </p:ext>
     </p:extLst>
   </p:cSld>
   <p:clrMapOvr>
     <a:masterClrMapping/>
   </p:clrMapOvr>
-  <p:transition>
+  <p:transition xmlns:p14="http://schemas.microsoft.com/office/powerpoint/2010/main">
+    <p:wipe dir="r"/>
+  </p:transition>
+</p:sld>
+</file>
+
+<file path=ppt/slides/slide8.xml><?xml version="1.0" encoding="utf-8"?>
+<p:sld xmlns:a="http://schemas.openxmlformats.org/drawingml/2006/main" xmlns:r="http://schemas.openxmlformats.org/officeDocument/2006/relationships" xmlns:p="http://schemas.openxmlformats.org/presentationml/2006/main">
+  <p:cSld>
+    <p:spTree>
+      <p:nvGrpSpPr>
+        <p:cNvPr id="1" name=""/>
+        <p:cNvGrpSpPr/>
+        <p:nvPr/>
+      </p:nvGrpSpPr>
+      <p:grpSpPr>
+        <a:xfrm>
+          <a:off x="0" y="0"/>
+          <a:ext cx="0" cy="0"/>
+          <a:chOff x="0" y="0"/>
+          <a:chExt cx="0" cy="0"/>
+        </a:xfrm>
+      </p:grpSpPr>
+      <p:sp>
+        <p:nvSpPr>
+          <p:cNvPr id="2" name="Text Placeholder 1"/>
+          <p:cNvSpPr>
+            <a:spLocks noGrp="1"/>
+          </p:cNvSpPr>
+          <p:nvPr>
+            <p:ph type="body" sz="quarter" idx="10"/>
+          </p:nvPr>
+        </p:nvSpPr>
+        <p:spPr/>
+        <p:txBody>
+          <a:bodyPr/>
+          <a:lstStyle/>
+          <a:p>
+            <a:endParaRPr lang="zh-CN" altLang="en-US"/>
+          </a:p>
+        </p:txBody>
+      </p:sp>
+      <p:sp>
+        <p:nvSpPr>
+          <p:cNvPr id="3" name="Title 2"/>
+          <p:cNvSpPr>
+            <a:spLocks noGrp="1"/>
+          </p:cNvSpPr>
+          <p:nvPr>
+            <p:ph type="title"/>
+          </p:nvPr>
+        </p:nvSpPr>
+        <p:spPr/>
+        <p:txBody>
+          <a:bodyPr/>
+          <a:lstStyle/>
+          <a:p>
+            <a:r>
+              <a:rPr lang="en-US" altLang="zh-CN" dirty="0"/>
+              <a:t>Mozilla</a:t>
+            </a:r>
+            <a:r>
+              <a:rPr lang="en-US" altLang="zh-CN" dirty="0" smtClean="0"/>
+              <a:t>::Content</a:t>
+            </a:r>
+            <a:endParaRPr lang="zh-CN" altLang="en-US" dirty="0"/>
+          </a:p>
+        </p:txBody>
+      </p:sp>
+    </p:spTree>
+    <p:extLst>
+      <p:ext uri="{BB962C8B-B14F-4D97-AF65-F5344CB8AC3E}">
+        <p14:creationId xmlns:p14="http://schemas.microsoft.com/office/powerpoint/2010/main" val="2466738312"/>
+      </p:ext>
+    </p:extLst>
+  </p:cSld>
+  <p:clrMapOvr>
+    <a:masterClrMapping/>
+  </p:clrMapOvr>
+  <p:transition xmlns:p14="http://schemas.microsoft.com/office/powerpoint/2010/main">
+    <p:wipe dir="r"/>
+  </p:transition>
+</p:sld>
+</file>
+
+<file path=ppt/slides/slide9.xml><?xml version="1.0" encoding="utf-8"?>
+<p:sld xmlns:a="http://schemas.openxmlformats.org/drawingml/2006/main" xmlns:r="http://schemas.openxmlformats.org/officeDocument/2006/relationships" xmlns:p="http://schemas.openxmlformats.org/presentationml/2006/main">
+  <p:cSld>
+    <p:spTree>
+      <p:nvGrpSpPr>
+        <p:cNvPr id="1" name=""/>
+        <p:cNvGrpSpPr/>
+        <p:nvPr/>
+      </p:nvGrpSpPr>
+      <p:grpSpPr>
+        <a:xfrm>
+          <a:off x="0" y="0"/>
+          <a:ext cx="0" cy="0"/>
+          <a:chOff x="0" y="0"/>
+          <a:chExt cx="0" cy="0"/>
+        </a:xfrm>
+      </p:grpSpPr>
+      <p:sp>
+        <p:nvSpPr>
+          <p:cNvPr id="2" name="Text Placeholder 1"/>
+          <p:cNvSpPr>
+            <a:spLocks noGrp="1"/>
+          </p:cNvSpPr>
+          <p:nvPr>
+            <p:ph type="body" sz="quarter" idx="10"/>
+          </p:nvPr>
+        </p:nvSpPr>
+        <p:spPr/>
+        <p:txBody>
+          <a:bodyPr/>
+          <a:lstStyle/>
+          <a:p>
+            <a:endParaRPr lang="zh-CN" altLang="en-US"/>
+          </a:p>
+        </p:txBody>
+      </p:sp>
+      <p:sp>
+        <p:nvSpPr>
+          <p:cNvPr id="3" name="Title 2"/>
+          <p:cNvSpPr>
+            <a:spLocks noGrp="1"/>
+          </p:cNvSpPr>
+          <p:nvPr>
+            <p:ph type="title"/>
+          </p:nvPr>
+        </p:nvSpPr>
+        <p:spPr/>
+        <p:txBody>
+          <a:bodyPr/>
+          <a:lstStyle/>
+          <a:p>
+            <a:r>
+              <a:rPr lang="en-US" altLang="zh-CN" dirty="0" smtClean="0"/>
+              <a:t>WebRTC Video Engine</a:t>
+            </a:r>
+            <a:endParaRPr lang="zh-CN" altLang="en-US" dirty="0"/>
+          </a:p>
+        </p:txBody>
+      </p:sp>
+    </p:spTree>
+    <p:extLst>
+      <p:ext uri="{BB962C8B-B14F-4D97-AF65-F5344CB8AC3E}">
+        <p14:creationId xmlns:p14="http://schemas.microsoft.com/office/powerpoint/2010/main" val="1037614364"/>
+      </p:ext>
+    </p:extLst>
+  </p:cSld>
+  <p:clrMapOvr>
+    <a:masterClrMapping/>
+  </p:clrMapOvr>
+  <p:transition xmlns:p14="http://schemas.microsoft.com/office/powerpoint/2010/main">
     <p:wipe dir="r"/>
   </p:transition>
 </p:sld>
